--- a/ppt/GitHubDev.pptx
+++ b/ppt/GitHubDev.pptx
@@ -4,14 +4,18 @@
   <p:sldMasterIdLst>
     <p:sldMasterId id="2147483648" r:id="rId1"/>
   </p:sldMasterIdLst>
+  <p:notesMasterIdLst>
+    <p:notesMasterId r:id="rId10"/>
+  </p:notesMasterIdLst>
   <p:sldIdLst>
-    <p:sldId id="256" r:id="rId2"/>
-    <p:sldId id="257" r:id="rId3"/>
-    <p:sldId id="258" r:id="rId4"/>
-    <p:sldId id="259" r:id="rId5"/>
-    <p:sldId id="262" r:id="rId6"/>
-    <p:sldId id="260" r:id="rId7"/>
-    <p:sldId id="261" r:id="rId8"/>
+    <p:sldId id="263" r:id="rId2"/>
+    <p:sldId id="256" r:id="rId3"/>
+    <p:sldId id="257" r:id="rId4"/>
+    <p:sldId id="258" r:id="rId5"/>
+    <p:sldId id="259" r:id="rId6"/>
+    <p:sldId id="262" r:id="rId7"/>
+    <p:sldId id="260" r:id="rId8"/>
+    <p:sldId id="261" r:id="rId9"/>
   </p:sldIdLst>
   <p:sldSz cx="12192000" cy="6858000"/>
   <p:notesSz cx="6858000" cy="9144000"/>
@@ -116,6 +120,446 @@
     </p:ext>
   </p:extLst>
 </p:presentation>
+</file>
+
+<file path=ppt/notesMasters/notesMaster1.xml><?xml version="1.0" encoding="utf-8"?>
+<p:notesMaster xmlns:a="http://schemas.openxmlformats.org/drawingml/2006/main" xmlns:r="http://schemas.openxmlformats.org/officeDocument/2006/relationships" xmlns:p="http://schemas.openxmlformats.org/presentationml/2006/main">
+  <p:cSld>
+    <p:bg>
+      <p:bgRef idx="1001">
+        <a:schemeClr val="bg1"/>
+      </p:bgRef>
+    </p:bg>
+    <p:spTree>
+      <p:nvGrpSpPr>
+        <p:cNvPr id="1" name=""/>
+        <p:cNvGrpSpPr/>
+        <p:nvPr/>
+      </p:nvGrpSpPr>
+      <p:grpSpPr>
+        <a:xfrm>
+          <a:off x="0" y="0"/>
+          <a:ext cx="0" cy="0"/>
+          <a:chOff x="0" y="0"/>
+          <a:chExt cx="0" cy="0"/>
+        </a:xfrm>
+      </p:grpSpPr>
+      <p:sp>
+        <p:nvSpPr>
+          <p:cNvPr id="2" name="Header Placeholder 1"/>
+          <p:cNvSpPr>
+            <a:spLocks noGrp="1"/>
+          </p:cNvSpPr>
+          <p:nvPr>
+            <p:ph type="hdr" sz="quarter"/>
+          </p:nvPr>
+        </p:nvSpPr>
+        <p:spPr>
+          <a:xfrm>
+            <a:off x="0" y="0"/>
+            <a:ext cx="2971800" cy="458788"/>
+          </a:xfrm>
+          <a:prstGeom prst="rect">
+            <a:avLst/>
+          </a:prstGeom>
+        </p:spPr>
+        <p:txBody>
+          <a:bodyPr vert="horz" lIns="91440" tIns="45720" rIns="91440" bIns="45720" rtlCol="0"/>
+          <a:lstStyle>
+            <a:lvl1pPr algn="l">
+              <a:defRPr sz="1200"/>
+            </a:lvl1pPr>
+          </a:lstStyle>
+          <a:p>
+            <a:endParaRPr lang="en-US"/>
+          </a:p>
+        </p:txBody>
+      </p:sp>
+      <p:sp>
+        <p:nvSpPr>
+          <p:cNvPr id="3" name="Date Placeholder 2"/>
+          <p:cNvSpPr>
+            <a:spLocks noGrp="1"/>
+          </p:cNvSpPr>
+          <p:nvPr>
+            <p:ph type="dt" idx="1"/>
+          </p:nvPr>
+        </p:nvSpPr>
+        <p:spPr>
+          <a:xfrm>
+            <a:off x="3884613" y="0"/>
+            <a:ext cx="2971800" cy="458788"/>
+          </a:xfrm>
+          <a:prstGeom prst="rect">
+            <a:avLst/>
+          </a:prstGeom>
+        </p:spPr>
+        <p:txBody>
+          <a:bodyPr vert="horz" lIns="91440" tIns="45720" rIns="91440" bIns="45720" rtlCol="0"/>
+          <a:lstStyle>
+            <a:lvl1pPr algn="r">
+              <a:defRPr sz="1200"/>
+            </a:lvl1pPr>
+          </a:lstStyle>
+          <a:p>
+            <a:fld id="{EC01DE2E-A89A-42C1-B790-097D59F8D208}" type="datetimeFigureOut">
+              <a:rPr lang="en-US" smtClean="0"/>
+              <a:t>2/21/2020</a:t>
+            </a:fld>
+            <a:endParaRPr lang="en-US"/>
+          </a:p>
+        </p:txBody>
+      </p:sp>
+      <p:sp>
+        <p:nvSpPr>
+          <p:cNvPr id="4" name="Slide Image Placeholder 3"/>
+          <p:cNvSpPr>
+            <a:spLocks noGrp="1" noRot="1" noChangeAspect="1"/>
+          </p:cNvSpPr>
+          <p:nvPr>
+            <p:ph type="sldImg" idx="2"/>
+          </p:nvPr>
+        </p:nvSpPr>
+        <p:spPr>
+          <a:xfrm>
+            <a:off x="685800" y="1143000"/>
+            <a:ext cx="5486400" cy="3086100"/>
+          </a:xfrm>
+          <a:prstGeom prst="rect">
+            <a:avLst/>
+          </a:prstGeom>
+          <a:noFill/>
+          <a:ln w="12700">
+            <a:solidFill>
+              <a:prstClr val="black"/>
+            </a:solidFill>
+          </a:ln>
+        </p:spPr>
+        <p:txBody>
+          <a:bodyPr vert="horz" lIns="91440" tIns="45720" rIns="91440" bIns="45720" rtlCol="0" anchor="ctr"/>
+          <a:lstStyle/>
+          <a:p>
+            <a:endParaRPr lang="en-US"/>
+          </a:p>
+        </p:txBody>
+      </p:sp>
+      <p:sp>
+        <p:nvSpPr>
+          <p:cNvPr id="5" name="Notes Placeholder 4"/>
+          <p:cNvSpPr>
+            <a:spLocks noGrp="1"/>
+          </p:cNvSpPr>
+          <p:nvPr>
+            <p:ph type="body" sz="quarter" idx="3"/>
+          </p:nvPr>
+        </p:nvSpPr>
+        <p:spPr>
+          <a:xfrm>
+            <a:off x="685800" y="4400550"/>
+            <a:ext cx="5486400" cy="3600450"/>
+          </a:xfrm>
+          <a:prstGeom prst="rect">
+            <a:avLst/>
+          </a:prstGeom>
+        </p:spPr>
+        <p:txBody>
+          <a:bodyPr vert="horz" lIns="91440" tIns="45720" rIns="91440" bIns="45720" rtlCol="0"/>
+          <a:lstStyle/>
+          <a:p>
+            <a:pPr lvl="0"/>
+            <a:r>
+              <a:rPr lang="en-US" smtClean="0"/>
+              <a:t>Edit Master text styles</a:t>
+            </a:r>
+          </a:p>
+          <a:p>
+            <a:pPr lvl="1"/>
+            <a:r>
+              <a:rPr lang="en-US" smtClean="0"/>
+              <a:t>Second level</a:t>
+            </a:r>
+          </a:p>
+          <a:p>
+            <a:pPr lvl="2"/>
+            <a:r>
+              <a:rPr lang="en-US" smtClean="0"/>
+              <a:t>Third level</a:t>
+            </a:r>
+          </a:p>
+          <a:p>
+            <a:pPr lvl="3"/>
+            <a:r>
+              <a:rPr lang="en-US" smtClean="0"/>
+              <a:t>Fourth level</a:t>
+            </a:r>
+          </a:p>
+          <a:p>
+            <a:pPr lvl="4"/>
+            <a:r>
+              <a:rPr lang="en-US" smtClean="0"/>
+              <a:t>Fifth level</a:t>
+            </a:r>
+            <a:endParaRPr lang="en-US"/>
+          </a:p>
+        </p:txBody>
+      </p:sp>
+      <p:sp>
+        <p:nvSpPr>
+          <p:cNvPr id="6" name="Footer Placeholder 5"/>
+          <p:cNvSpPr>
+            <a:spLocks noGrp="1"/>
+          </p:cNvSpPr>
+          <p:nvPr>
+            <p:ph type="ftr" sz="quarter" idx="4"/>
+          </p:nvPr>
+        </p:nvSpPr>
+        <p:spPr>
+          <a:xfrm>
+            <a:off x="0" y="8685213"/>
+            <a:ext cx="2971800" cy="458787"/>
+          </a:xfrm>
+          <a:prstGeom prst="rect">
+            <a:avLst/>
+          </a:prstGeom>
+        </p:spPr>
+        <p:txBody>
+          <a:bodyPr vert="horz" lIns="91440" tIns="45720" rIns="91440" bIns="45720" rtlCol="0" anchor="b"/>
+          <a:lstStyle>
+            <a:lvl1pPr algn="l">
+              <a:defRPr sz="1200"/>
+            </a:lvl1pPr>
+          </a:lstStyle>
+          <a:p>
+            <a:endParaRPr lang="en-US"/>
+          </a:p>
+        </p:txBody>
+      </p:sp>
+      <p:sp>
+        <p:nvSpPr>
+          <p:cNvPr id="7" name="Slide Number Placeholder 6"/>
+          <p:cNvSpPr>
+            <a:spLocks noGrp="1"/>
+          </p:cNvSpPr>
+          <p:nvPr>
+            <p:ph type="sldNum" sz="quarter" idx="5"/>
+          </p:nvPr>
+        </p:nvSpPr>
+        <p:spPr>
+          <a:xfrm>
+            <a:off x="3884613" y="8685213"/>
+            <a:ext cx="2971800" cy="458787"/>
+          </a:xfrm>
+          <a:prstGeom prst="rect">
+            <a:avLst/>
+          </a:prstGeom>
+        </p:spPr>
+        <p:txBody>
+          <a:bodyPr vert="horz" lIns="91440" tIns="45720" rIns="91440" bIns="45720" rtlCol="0" anchor="b"/>
+          <a:lstStyle>
+            <a:lvl1pPr algn="r">
+              <a:defRPr sz="1200"/>
+            </a:lvl1pPr>
+          </a:lstStyle>
+          <a:p>
+            <a:fld id="{2849AF01-2AC9-4999-8975-654CE07642CF}" type="slidenum">
+              <a:rPr lang="en-US" smtClean="0"/>
+              <a:t>‹#›</a:t>
+            </a:fld>
+            <a:endParaRPr lang="en-US"/>
+          </a:p>
+        </p:txBody>
+      </p:sp>
+    </p:spTree>
+    <p:extLst>
+      <p:ext uri="{BB962C8B-B14F-4D97-AF65-F5344CB8AC3E}">
+        <p14:creationId xmlns:p14="http://schemas.microsoft.com/office/powerpoint/2010/main" val="4133278430"/>
+      </p:ext>
+    </p:extLst>
+  </p:cSld>
+  <p:clrMap bg1="lt1" tx1="dk1" bg2="lt2" tx2="dk2" accent1="accent1" accent2="accent2" accent3="accent3" accent4="accent4" accent5="accent5" accent6="accent6" hlink="hlink" folHlink="folHlink"/>
+  <p:notesStyle>
+    <a:lvl1pPr marL="0" algn="l" defTabSz="914400" rtl="0" eaLnBrk="1" latinLnBrk="0" hangingPunct="1">
+      <a:defRPr sz="1200" kern="1200">
+        <a:solidFill>
+          <a:schemeClr val="tx1"/>
+        </a:solidFill>
+        <a:latin typeface="+mn-lt"/>
+        <a:ea typeface="+mn-ea"/>
+        <a:cs typeface="+mn-cs"/>
+      </a:defRPr>
+    </a:lvl1pPr>
+    <a:lvl2pPr marL="457200" algn="l" defTabSz="914400" rtl="0" eaLnBrk="1" latinLnBrk="0" hangingPunct="1">
+      <a:defRPr sz="1200" kern="1200">
+        <a:solidFill>
+          <a:schemeClr val="tx1"/>
+        </a:solidFill>
+        <a:latin typeface="+mn-lt"/>
+        <a:ea typeface="+mn-ea"/>
+        <a:cs typeface="+mn-cs"/>
+      </a:defRPr>
+    </a:lvl2pPr>
+    <a:lvl3pPr marL="914400" algn="l" defTabSz="914400" rtl="0" eaLnBrk="1" latinLnBrk="0" hangingPunct="1">
+      <a:defRPr sz="1200" kern="1200">
+        <a:solidFill>
+          <a:schemeClr val="tx1"/>
+        </a:solidFill>
+        <a:latin typeface="+mn-lt"/>
+        <a:ea typeface="+mn-ea"/>
+        <a:cs typeface="+mn-cs"/>
+      </a:defRPr>
+    </a:lvl3pPr>
+    <a:lvl4pPr marL="1371600" algn="l" defTabSz="914400" rtl="0" eaLnBrk="1" latinLnBrk="0" hangingPunct="1">
+      <a:defRPr sz="1200" kern="1200">
+        <a:solidFill>
+          <a:schemeClr val="tx1"/>
+        </a:solidFill>
+        <a:latin typeface="+mn-lt"/>
+        <a:ea typeface="+mn-ea"/>
+        <a:cs typeface="+mn-cs"/>
+      </a:defRPr>
+    </a:lvl4pPr>
+    <a:lvl5pPr marL="1828800" algn="l" defTabSz="914400" rtl="0" eaLnBrk="1" latinLnBrk="0" hangingPunct="1">
+      <a:defRPr sz="1200" kern="1200">
+        <a:solidFill>
+          <a:schemeClr val="tx1"/>
+        </a:solidFill>
+        <a:latin typeface="+mn-lt"/>
+        <a:ea typeface="+mn-ea"/>
+        <a:cs typeface="+mn-cs"/>
+      </a:defRPr>
+    </a:lvl5pPr>
+    <a:lvl6pPr marL="2286000" algn="l" defTabSz="914400" rtl="0" eaLnBrk="1" latinLnBrk="0" hangingPunct="1">
+      <a:defRPr sz="1200" kern="1200">
+        <a:solidFill>
+          <a:schemeClr val="tx1"/>
+        </a:solidFill>
+        <a:latin typeface="+mn-lt"/>
+        <a:ea typeface="+mn-ea"/>
+        <a:cs typeface="+mn-cs"/>
+      </a:defRPr>
+    </a:lvl6pPr>
+    <a:lvl7pPr marL="2743200" algn="l" defTabSz="914400" rtl="0" eaLnBrk="1" latinLnBrk="0" hangingPunct="1">
+      <a:defRPr sz="1200" kern="1200">
+        <a:solidFill>
+          <a:schemeClr val="tx1"/>
+        </a:solidFill>
+        <a:latin typeface="+mn-lt"/>
+        <a:ea typeface="+mn-ea"/>
+        <a:cs typeface="+mn-cs"/>
+      </a:defRPr>
+    </a:lvl7pPr>
+    <a:lvl8pPr marL="3200400" algn="l" defTabSz="914400" rtl="0" eaLnBrk="1" latinLnBrk="0" hangingPunct="1">
+      <a:defRPr sz="1200" kern="1200">
+        <a:solidFill>
+          <a:schemeClr val="tx1"/>
+        </a:solidFill>
+        <a:latin typeface="+mn-lt"/>
+        <a:ea typeface="+mn-ea"/>
+        <a:cs typeface="+mn-cs"/>
+      </a:defRPr>
+    </a:lvl8pPr>
+    <a:lvl9pPr marL="3657600" algn="l" defTabSz="914400" rtl="0" eaLnBrk="1" latinLnBrk="0" hangingPunct="1">
+      <a:defRPr sz="1200" kern="1200">
+        <a:solidFill>
+          <a:schemeClr val="tx1"/>
+        </a:solidFill>
+        <a:latin typeface="+mn-lt"/>
+        <a:ea typeface="+mn-ea"/>
+        <a:cs typeface="+mn-cs"/>
+      </a:defRPr>
+    </a:lvl9pPr>
+  </p:notesStyle>
+</p:notesMaster>
+</file>
+
+<file path=ppt/notesSlides/notesSlide1.xml><?xml version="1.0" encoding="utf-8"?>
+<p:notes xmlns:a="http://schemas.openxmlformats.org/drawingml/2006/main" xmlns:r="http://schemas.openxmlformats.org/officeDocument/2006/relationships" xmlns:p="http://schemas.openxmlformats.org/presentationml/2006/main">
+  <p:cSld>
+    <p:spTree>
+      <p:nvGrpSpPr>
+        <p:cNvPr id="1" name=""/>
+        <p:cNvGrpSpPr/>
+        <p:nvPr/>
+      </p:nvGrpSpPr>
+      <p:grpSpPr>
+        <a:xfrm>
+          <a:off x="0" y="0"/>
+          <a:ext cx="0" cy="0"/>
+          <a:chOff x="0" y="0"/>
+          <a:chExt cx="0" cy="0"/>
+        </a:xfrm>
+      </p:grpSpPr>
+      <p:sp>
+        <p:nvSpPr>
+          <p:cNvPr id="2" name="Slide Image Placeholder 1"/>
+          <p:cNvSpPr>
+            <a:spLocks noGrp="1" noRot="1" noChangeAspect="1"/>
+          </p:cNvSpPr>
+          <p:nvPr>
+            <p:ph type="sldImg"/>
+          </p:nvPr>
+        </p:nvSpPr>
+        <p:spPr/>
+      </p:sp>
+      <p:sp>
+        <p:nvSpPr>
+          <p:cNvPr id="3" name="Notes Placeholder 2"/>
+          <p:cNvSpPr>
+            <a:spLocks noGrp="1"/>
+          </p:cNvSpPr>
+          <p:nvPr>
+            <p:ph type="body" idx="1"/>
+          </p:nvPr>
+        </p:nvSpPr>
+        <p:spPr/>
+        <p:txBody>
+          <a:bodyPr/>
+          <a:lstStyle/>
+          <a:p>
+            <a:endParaRPr lang="en-US" dirty="0"/>
+          </a:p>
+        </p:txBody>
+      </p:sp>
+      <p:sp>
+        <p:nvSpPr>
+          <p:cNvPr id="4" name="Slide Number Placeholder 3"/>
+          <p:cNvSpPr>
+            <a:spLocks noGrp="1"/>
+          </p:cNvSpPr>
+          <p:nvPr>
+            <p:ph type="sldNum" sz="quarter" idx="10"/>
+          </p:nvPr>
+        </p:nvSpPr>
+        <p:spPr/>
+        <p:txBody>
+          <a:bodyPr/>
+          <a:lstStyle/>
+          <a:p>
+            <a:pPr>
+              <a:defRPr/>
+            </a:pPr>
+            <a:fld id="{673C55C6-0635-4FFD-BEAC-5E6F89DDB24B}" type="slidenum">
+              <a:rPr lang="en-US" smtClean="0"/>
+              <a:pPr>
+                <a:defRPr/>
+              </a:pPr>
+              <a:t>1</a:t>
+            </a:fld>
+            <a:endParaRPr lang="en-US"/>
+          </a:p>
+        </p:txBody>
+      </p:sp>
+    </p:spTree>
+    <p:extLst>
+      <p:ext uri="{BB962C8B-B14F-4D97-AF65-F5344CB8AC3E}">
+        <p14:creationId xmlns:p14="http://schemas.microsoft.com/office/powerpoint/2010/main" val="1568891646"/>
+      </p:ext>
+    </p:extLst>
+  </p:cSld>
+  <p:clrMapOvr>
+    <a:masterClrMapping/>
+  </p:clrMapOvr>
+</p:notes>
 </file>
 
 <file path=ppt/slideLayouts/slideLayout1.xml><?xml version="1.0" encoding="utf-8"?>
@@ -864,7 +1308,7 @@
             <a:fld id="{B61BEF0D-F0BB-DE4B-95CE-6DB70DBA9567}" type="datetimeFigureOut">
               <a:rPr lang="en-US" dirty="0"/>
               <a:pPr/>
-              <a:t>12/21/2018</a:t>
+              <a:t>2/21/2020</a:t>
             </a:fld>
             <a:endParaRPr lang="en-US" dirty="0"/>
           </a:p>
@@ -1112,7 +1556,7 @@
             <a:fld id="{B61BEF0D-F0BB-DE4B-95CE-6DB70DBA9567}" type="datetimeFigureOut">
               <a:rPr lang="en-US" dirty="0"/>
               <a:pPr/>
-              <a:t>12/21/2018</a:t>
+              <a:t>2/21/2020</a:t>
             </a:fld>
             <a:endParaRPr lang="en-US" dirty="0"/>
           </a:p>
@@ -1423,7 +1867,7 @@
             <a:fld id="{B61BEF0D-F0BB-DE4B-95CE-6DB70DBA9567}" type="datetimeFigureOut">
               <a:rPr lang="en-US" dirty="0"/>
               <a:pPr/>
-              <a:t>12/21/2018</a:t>
+              <a:t>2/21/2020</a:t>
             </a:fld>
             <a:endParaRPr lang="en-US" dirty="0"/>
           </a:p>
@@ -1753,7 +2197,7 @@
             <a:fld id="{B61BEF0D-F0BB-DE4B-95CE-6DB70DBA9567}" type="datetimeFigureOut">
               <a:rPr lang="en-US" dirty="0"/>
               <a:pPr/>
-              <a:t>12/21/2018</a:t>
+              <a:t>2/21/2020</a:t>
             </a:fld>
             <a:endParaRPr lang="en-US" dirty="0"/>
           </a:p>
@@ -2064,7 +2508,7 @@
             <a:fld id="{B61BEF0D-F0BB-DE4B-95CE-6DB70DBA9567}" type="datetimeFigureOut">
               <a:rPr lang="en-US" dirty="0"/>
               <a:pPr/>
-              <a:t>12/21/2018</a:t>
+              <a:t>2/21/2020</a:t>
             </a:fld>
             <a:endParaRPr lang="en-US" dirty="0"/>
           </a:p>
@@ -2454,7 +2898,7 @@
             <a:fld id="{B61BEF0D-F0BB-DE4B-95CE-6DB70DBA9567}" type="datetimeFigureOut">
               <a:rPr lang="en-US" dirty="0"/>
               <a:pPr/>
-              <a:t>12/21/2018</a:t>
+              <a:t>2/21/2020</a:t>
             </a:fld>
             <a:endParaRPr lang="en-US" dirty="0"/>
           </a:p>
@@ -2620,7 +3064,7 @@
           <a:p>
             <a:fld id="{55C6B4A9-1611-4792-9094-5F34BCA07E0B}" type="datetimeFigureOut">
               <a:rPr lang="en-US" dirty="0"/>
-              <a:t>12/21/2018</a:t>
+              <a:t>2/21/2020</a:t>
             </a:fld>
             <a:endParaRPr lang="en-US" dirty="0"/>
           </a:p>
@@ -2796,7 +3240,7 @@
             <a:fld id="{B61BEF0D-F0BB-DE4B-95CE-6DB70DBA9567}" type="datetimeFigureOut">
               <a:rPr lang="en-US" dirty="0"/>
               <a:pPr/>
-              <a:t>12/21/2018</a:t>
+              <a:t>2/21/2020</a:t>
             </a:fld>
             <a:endParaRPr lang="en-US" dirty="0"/>
           </a:p>
@@ -2846,6 +3290,354 @@
         </p:txBody>
       </p:sp>
     </p:spTree>
+  </p:cSld>
+  <p:clrMapOvr>
+    <a:masterClrMapping/>
+  </p:clrMapOvr>
+</p:sldLayout>
+</file>
+
+<file path=ppt/slideLayouts/slideLayout17.xml><?xml version="1.0" encoding="utf-8"?>
+<p:sldLayout xmlns:a="http://schemas.openxmlformats.org/drawingml/2006/main" xmlns:r="http://schemas.openxmlformats.org/officeDocument/2006/relationships" xmlns:p="http://schemas.openxmlformats.org/presentationml/2006/main" showMasterSp="0" userDrawn="1">
+  <p:cSld name="1_Title Slide">
+    <p:spTree>
+      <p:nvGrpSpPr>
+        <p:cNvPr id="1" name=""/>
+        <p:cNvGrpSpPr/>
+        <p:nvPr/>
+      </p:nvGrpSpPr>
+      <p:grpSpPr>
+        <a:xfrm>
+          <a:off x="0" y="0"/>
+          <a:ext cx="0" cy="0"/>
+          <a:chOff x="0" y="0"/>
+          <a:chExt cx="0" cy="0"/>
+        </a:xfrm>
+      </p:grpSpPr>
+      <p:sp>
+        <p:nvSpPr>
+          <p:cNvPr id="5" name="Freeform 7"/>
+          <p:cNvSpPr>
+            <a:spLocks noChangeArrowheads="1"/>
+          </p:cNvSpPr>
+          <p:nvPr/>
+        </p:nvSpPr>
+        <p:spPr bwMode="auto">
+          <a:xfrm>
+            <a:off x="812800" y="457200"/>
+            <a:ext cx="10566400" cy="914400"/>
+          </a:xfrm>
+          <a:custGeom>
+            <a:avLst/>
+            <a:gdLst>
+              <a:gd name="T0" fmla="*/ 0 w 1000"/>
+              <a:gd name="T1" fmla="*/ 836127360 h 1000"/>
+              <a:gd name="T2" fmla="*/ 0 w 1000"/>
+              <a:gd name="T3" fmla="*/ 0 h 1000"/>
+              <a:gd name="T4" fmla="*/ 2147483646 w 1000"/>
+              <a:gd name="T5" fmla="*/ 0 h 1000"/>
+              <a:gd name="T6" fmla="*/ 0 60000 65536"/>
+              <a:gd name="T7" fmla="*/ 0 60000 65536"/>
+              <a:gd name="T8" fmla="*/ 0 60000 65536"/>
+            </a:gdLst>
+            <a:ahLst/>
+            <a:cxnLst>
+              <a:cxn ang="T6">
+                <a:pos x="T0" y="T1"/>
+              </a:cxn>
+              <a:cxn ang="T7">
+                <a:pos x="T2" y="T3"/>
+              </a:cxn>
+              <a:cxn ang="T8">
+                <a:pos x="T4" y="T5"/>
+              </a:cxn>
+            </a:cxnLst>
+            <a:rect l="0" t="0" r="r" b="b"/>
+            <a:pathLst>
+              <a:path w="1000" h="1000">
+                <a:moveTo>
+                  <a:pt x="0" y="1000"/>
+                </a:moveTo>
+                <a:lnTo>
+                  <a:pt x="0" y="0"/>
+                </a:lnTo>
+                <a:lnTo>
+                  <a:pt x="1000" y="0"/>
+                </a:lnTo>
+              </a:path>
+            </a:pathLst>
+          </a:custGeom>
+          <a:noFill/>
+          <a:ln w="25400" cap="flat" cmpd="sng">
+            <a:solidFill>
+              <a:schemeClr val="accent1"/>
+            </a:solidFill>
+            <a:prstDash val="solid"/>
+            <a:miter lim="800000"/>
+            <a:headEnd/>
+            <a:tailEnd/>
+          </a:ln>
+          <a:extLst>
+            <a:ext uri="{909E8E84-426E-40DD-AFC4-6F175D3DCCD1}">
+              <a14:hiddenFill xmlns:a14="http://schemas.microsoft.com/office/drawing/2010/main">
+                <a:solidFill>
+                  <a:srgbClr val="FFFFFF"/>
+                </a:solidFill>
+              </a14:hiddenFill>
+            </a:ext>
+          </a:extLst>
+        </p:spPr>
+        <p:txBody>
+          <a:bodyPr/>
+          <a:lstStyle/>
+          <a:p>
+            <a:endParaRPr lang="en-US" sz="1800"/>
+          </a:p>
+        </p:txBody>
+      </p:sp>
+      <p:sp>
+        <p:nvSpPr>
+          <p:cNvPr id="6" name="Line 8"/>
+          <p:cNvSpPr>
+            <a:spLocks noChangeShapeType="1"/>
+          </p:cNvSpPr>
+          <p:nvPr/>
+        </p:nvSpPr>
+        <p:spPr bwMode="auto">
+          <a:xfrm flipV="1">
+            <a:off x="812801" y="5562600"/>
+            <a:ext cx="10511368" cy="46038"/>
+          </a:xfrm>
+          <a:prstGeom prst="line">
+            <a:avLst/>
+          </a:prstGeom>
+          <a:noFill/>
+          <a:ln w="19050">
+            <a:solidFill>
+              <a:schemeClr val="accent1"/>
+            </a:solidFill>
+            <a:round/>
+            <a:headEnd/>
+            <a:tailEnd/>
+          </a:ln>
+          <a:extLst>
+            <a:ext uri="{909E8E84-426E-40DD-AFC4-6F175D3DCCD1}">
+              <a14:hiddenFill xmlns:a14="http://schemas.microsoft.com/office/drawing/2010/main">
+                <a:noFill/>
+              </a14:hiddenFill>
+            </a:ext>
+          </a:extLst>
+        </p:spPr>
+        <p:txBody>
+          <a:bodyPr/>
+          <a:lstStyle/>
+          <a:p>
+            <a:endParaRPr lang="en-US" sz="1800"/>
+          </a:p>
+        </p:txBody>
+      </p:sp>
+      <p:pic>
+        <p:nvPicPr>
+          <p:cNvPr id="7" name="Picture 11" descr="onlc_logo_small.jpg"/>
+          <p:cNvPicPr>
+            <a:picLocks noChangeAspect="1"/>
+          </p:cNvPicPr>
+          <p:nvPr userDrawn="1"/>
+        </p:nvPicPr>
+        <p:blipFill>
+          <a:blip r:embed="rId2">
+            <a:extLst>
+              <a:ext uri="{28A0092B-C50C-407E-A947-70E740481C1C}">
+                <a14:useLocalDpi xmlns:a14="http://schemas.microsoft.com/office/drawing/2010/main" val="0"/>
+              </a:ext>
+            </a:extLst>
+          </a:blip>
+          <a:srcRect/>
+          <a:stretch>
+            <a:fillRect/>
+          </a:stretch>
+        </p:blipFill>
+        <p:spPr bwMode="auto">
+          <a:xfrm>
+            <a:off x="8631044" y="5608638"/>
+            <a:ext cx="2875156" cy="1173162"/>
+          </a:xfrm>
+          <a:prstGeom prst="rect">
+            <a:avLst/>
+          </a:prstGeom>
+          <a:noFill/>
+          <a:ln>
+            <a:noFill/>
+          </a:ln>
+          <a:extLst>
+            <a:ext uri="{909E8E84-426E-40DD-AFC4-6F175D3DCCD1}">
+              <a14:hiddenFill xmlns:a14="http://schemas.microsoft.com/office/drawing/2010/main">
+                <a:solidFill>
+                  <a:srgbClr val="FFFFFF"/>
+                </a:solidFill>
+              </a14:hiddenFill>
+            </a:ext>
+            <a:ext uri="{91240B29-F687-4F45-9708-019B960494DF}">
+              <a14:hiddenLine xmlns:a14="http://schemas.microsoft.com/office/drawing/2010/main" w="9525">
+                <a:solidFill>
+                  <a:srgbClr val="000000"/>
+                </a:solidFill>
+                <a:miter lim="800000"/>
+                <a:headEnd/>
+                <a:tailEnd/>
+              </a14:hiddenLine>
+            </a:ext>
+          </a:extLst>
+        </p:spPr>
+      </p:pic>
+      <p:sp>
+        <p:nvSpPr>
+          <p:cNvPr id="5122" name="Rectangle 2"/>
+          <p:cNvSpPr>
+            <a:spLocks noGrp="1" noChangeArrowheads="1"/>
+          </p:cNvSpPr>
+          <p:nvPr>
+            <p:ph type="ctrTitle"/>
+          </p:nvPr>
+        </p:nvSpPr>
+        <p:spPr>
+          <a:xfrm>
+            <a:off x="812801" y="457200"/>
+            <a:ext cx="10164233" cy="685800"/>
+          </a:xfrm>
+        </p:spPr>
+        <p:txBody>
+          <a:bodyPr/>
+          <a:lstStyle>
+            <a:lvl1pPr>
+              <a:defRPr sz="4000" b="0"/>
+            </a:lvl1pPr>
+          </a:lstStyle>
+          <a:p>
+            <a:r>
+              <a:rPr lang="en-US" altLang="en-US" dirty="0"/>
+              <a:t>Click to edit Master title style</a:t>
+            </a:r>
+          </a:p>
+        </p:txBody>
+      </p:sp>
+      <p:sp>
+        <p:nvSpPr>
+          <p:cNvPr id="5123" name="Rectangle 3"/>
+          <p:cNvSpPr>
+            <a:spLocks noGrp="1" noChangeArrowheads="1"/>
+          </p:cNvSpPr>
+          <p:nvPr>
+            <p:ph type="subTitle" idx="1"/>
+          </p:nvPr>
+        </p:nvSpPr>
+        <p:spPr>
+          <a:xfrm>
+            <a:off x="812800" y="2286000"/>
+            <a:ext cx="8737600" cy="3048000"/>
+          </a:xfrm>
+          <a:prstGeom prst="rect">
+            <a:avLst/>
+          </a:prstGeom>
+        </p:spPr>
+        <p:txBody>
+          <a:bodyPr/>
+          <a:lstStyle>
+            <a:lvl1pPr marL="0" indent="0">
+              <a:buFontTx/>
+              <a:buNone/>
+              <a:defRPr sz="2400" b="0"/>
+            </a:lvl1pPr>
+          </a:lstStyle>
+          <a:p>
+            <a:r>
+              <a:rPr lang="en-US" altLang="en-US" dirty="0"/>
+              <a:t>Click to edit Master subtitle style</a:t>
+            </a:r>
+          </a:p>
+        </p:txBody>
+      </p:sp>
+      <p:sp>
+        <p:nvSpPr>
+          <p:cNvPr id="12" name="Text Placeholder 11"/>
+          <p:cNvSpPr>
+            <a:spLocks noGrp="1"/>
+          </p:cNvSpPr>
+          <p:nvPr>
+            <p:ph type="body" sz="quarter" idx="10"/>
+          </p:nvPr>
+        </p:nvSpPr>
+        <p:spPr>
+          <a:xfrm>
+            <a:off x="812800" y="1143000"/>
+            <a:ext cx="10160000" cy="1066800"/>
+          </a:xfrm>
+          <a:prstGeom prst="rect">
+            <a:avLst/>
+          </a:prstGeom>
+        </p:spPr>
+        <p:txBody>
+          <a:bodyPr/>
+          <a:lstStyle>
+            <a:lvl1pPr algn="l">
+              <a:buNone/>
+              <a:defRPr sz="2800"/>
+            </a:lvl1pPr>
+          </a:lstStyle>
+          <a:p>
+            <a:pPr lvl="0"/>
+            <a:r>
+              <a:rPr lang="en-US" dirty="0"/>
+              <a:t>Click to edit Master text styles</a:t>
+            </a:r>
+          </a:p>
+        </p:txBody>
+      </p:sp>
+      <p:sp>
+        <p:nvSpPr>
+          <p:cNvPr id="9" name="Rectangle 5"/>
+          <p:cNvSpPr>
+            <a:spLocks noGrp="1" noChangeArrowheads="1"/>
+          </p:cNvSpPr>
+          <p:nvPr>
+            <p:ph type="ftr" sz="quarter" idx="12"/>
+          </p:nvPr>
+        </p:nvSpPr>
+        <p:spPr>
+          <a:xfrm>
+            <a:off x="4165600" y="6243638"/>
+            <a:ext cx="3860800" cy="457200"/>
+          </a:xfrm>
+        </p:spPr>
+        <p:txBody>
+          <a:bodyPr/>
+          <a:lstStyle>
+            <a:lvl1pPr algn="ctr" fontAlgn="auto">
+              <a:spcBef>
+                <a:spcPts val="0"/>
+              </a:spcBef>
+              <a:spcAft>
+                <a:spcPts val="0"/>
+              </a:spcAft>
+              <a:defRPr>
+                <a:latin typeface="Verdana" panose="020B0604030504040204" pitchFamily="34" charset="0"/>
+              </a:defRPr>
+            </a:lvl1pPr>
+          </a:lstStyle>
+          <a:p>
+            <a:pPr>
+              <a:defRPr/>
+            </a:pPr>
+            <a:endParaRPr lang="en-US" altLang="en-US"/>
+          </a:p>
+        </p:txBody>
+      </p:sp>
+    </p:spTree>
+    <p:extLst>
+      <p:ext uri="{BB962C8B-B14F-4D97-AF65-F5344CB8AC3E}">
+        <p14:creationId xmlns:p14="http://schemas.microsoft.com/office/powerpoint/2010/main" val="1575560077"/>
+      </p:ext>
+    </p:extLst>
   </p:cSld>
   <p:clrMapOvr>
     <a:masterClrMapping/>
@@ -2962,7 +3754,7 @@
           <a:p>
             <a:fld id="{42A54C80-263E-416B-A8E0-580EDEADCBDC}" type="datetimeFigureOut">
               <a:rPr lang="en-US" dirty="0"/>
-              <a:t>12/21/2018</a:t>
+              <a:t>2/21/2020</a:t>
             </a:fld>
             <a:endParaRPr lang="en-US" dirty="0"/>
           </a:p>
@@ -3205,7 +3997,7 @@
             <a:fld id="{B61BEF0D-F0BB-DE4B-95CE-6DB70DBA9567}" type="datetimeFigureOut">
               <a:rPr lang="en-US" dirty="0"/>
               <a:pPr/>
-              <a:t>12/21/2018</a:t>
+              <a:t>2/21/2020</a:t>
             </a:fld>
             <a:endParaRPr lang="en-US" dirty="0"/>
           </a:p>
@@ -3433,7 +4225,7 @@
           <a:p>
             <a:fld id="{42A54C80-263E-416B-A8E0-580EDEADCBDC}" type="datetimeFigureOut">
               <a:rPr lang="en-US" dirty="0"/>
-              <a:t>12/21/2018</a:t>
+              <a:t>2/21/2020</a:t>
             </a:fld>
             <a:endParaRPr lang="en-US" dirty="0"/>
           </a:p>
@@ -3803,7 +4595,7 @@
             <a:fld id="{B61BEF0D-F0BB-DE4B-95CE-6DB70DBA9567}" type="datetimeFigureOut">
               <a:rPr lang="en-US" dirty="0"/>
               <a:pPr/>
-              <a:t>12/21/2018</a:t>
+              <a:t>2/21/2020</a:t>
             </a:fld>
             <a:endParaRPr lang="en-US" dirty="0"/>
           </a:p>
@@ -3923,7 +4715,7 @@
             <a:fld id="{B61BEF0D-F0BB-DE4B-95CE-6DB70DBA9567}" type="datetimeFigureOut">
               <a:rPr lang="en-US" dirty="0"/>
               <a:pPr/>
-              <a:t>12/21/2018</a:t>
+              <a:t>2/21/2020</a:t>
             </a:fld>
             <a:endParaRPr lang="en-US" dirty="0"/>
           </a:p>
@@ -4015,7 +4807,7 @@
             <a:fld id="{B61BEF0D-F0BB-DE4B-95CE-6DB70DBA9567}" type="datetimeFigureOut">
               <a:rPr lang="en-US" dirty="0"/>
               <a:pPr/>
-              <a:t>12/21/2018</a:t>
+              <a:t>2/21/2020</a:t>
             </a:fld>
             <a:endParaRPr lang="en-US" dirty="0"/>
           </a:p>
@@ -4266,7 +5058,7 @@
           <a:p>
             <a:fld id="{42A54C80-263E-416B-A8E0-580EDEADCBDC}" type="datetimeFigureOut">
               <a:rPr lang="en-US" dirty="0"/>
-              <a:t>12/21/2018</a:t>
+              <a:t>2/21/2020</a:t>
             </a:fld>
             <a:endParaRPr lang="en-US" dirty="0"/>
           </a:p>
@@ -4568,7 +5360,7 @@
             <a:fld id="{B61BEF0D-F0BB-DE4B-95CE-6DB70DBA9567}" type="datetimeFigureOut">
               <a:rPr lang="en-US" dirty="0"/>
               <a:pPr/>
-              <a:t>12/21/2018</a:t>
+              <a:t>2/21/2020</a:t>
             </a:fld>
             <a:endParaRPr lang="en-US" dirty="0"/>
           </a:p>
@@ -5266,7 +6058,7 @@
             <a:fld id="{B61BEF0D-F0BB-DE4B-95CE-6DB70DBA9567}" type="datetimeFigureOut">
               <a:rPr lang="en-US" dirty="0"/>
               <a:pPr/>
-              <a:t>12/21/2018</a:t>
+              <a:t>2/21/2020</a:t>
             </a:fld>
             <a:endParaRPr lang="en-US" dirty="0"/>
           </a:p>
@@ -5369,6 +6161,7 @@
     <p:sldLayoutId id="2147483664" r:id="rId14"/>
     <p:sldLayoutId id="2147483668" r:id="rId15"/>
     <p:sldLayoutId id="2147483659" r:id="rId16"/>
+    <p:sldLayoutId id="2147483669" r:id="rId17"/>
   </p:sldLayoutIdLst>
   <p:txStyles>
     <p:titleStyle>
@@ -5788,81 +6581,299 @@
       </p:grpSpPr>
       <p:sp>
         <p:nvSpPr>
-          <p:cNvPr id="2" name="Title 1"/>
-          <p:cNvSpPr>
-            <a:spLocks noGrp="1"/>
+          <p:cNvPr id="6145" name="Rectangle 2"/>
+          <p:cNvSpPr>
+            <a:spLocks noGrp="1" noChangeArrowheads="1"/>
           </p:cNvSpPr>
           <p:nvPr>
             <p:ph type="ctrTitle"/>
           </p:nvPr>
         </p:nvSpPr>
-        <p:spPr/>
+        <p:spPr>
+          <a:xfrm>
+            <a:off x="2133601" y="501804"/>
+            <a:ext cx="7623175" cy="876300"/>
+          </a:xfrm>
+        </p:spPr>
+        <p:txBody>
+          <a:bodyPr>
+            <a:normAutofit/>
+          </a:bodyPr>
+          <a:lstStyle/>
+          <a:p>
+            <a:r>
+              <a:rPr lang="en-SE" altLang="en-US" sz="3600" b="1" dirty="0" smtClean="0"/>
+              <a:t>GitHub for Developers</a:t>
+            </a:r>
+            <a:endParaRPr lang="en-US" altLang="en-US" sz="2400" dirty="0"/>
+          </a:p>
+        </p:txBody>
+      </p:sp>
+      <p:sp>
+        <p:nvSpPr>
+          <p:cNvPr id="6146" name="Rectangle 3"/>
+          <p:cNvSpPr>
+            <a:spLocks noGrp="1" noChangeArrowheads="1"/>
+          </p:cNvSpPr>
+          <p:nvPr>
+            <p:ph type="subTitle" idx="1"/>
+          </p:nvPr>
+        </p:nvSpPr>
+        <p:spPr>
+          <a:xfrm>
+            <a:off x="2427249" y="2280502"/>
+            <a:ext cx="6629400" cy="3200400"/>
+          </a:xfrm>
+        </p:spPr>
+        <p:txBody>
+          <a:bodyPr>
+            <a:normAutofit/>
+          </a:bodyPr>
+          <a:lstStyle/>
+          <a:p>
+            <a:pPr lvl="1">
+              <a:spcBef>
+                <a:spcPts val="2400"/>
+              </a:spcBef>
+            </a:pPr>
+            <a:r>
+              <a:rPr lang="en-US" altLang="en-US" sz="2000" dirty="0"/>
+              <a:t>Class begins at 10 Eastern time</a:t>
+            </a:r>
+          </a:p>
+          <a:p>
+            <a:pPr lvl="1">
+              <a:spcBef>
+                <a:spcPts val="1800"/>
+              </a:spcBef>
+            </a:pPr>
+            <a:r>
+              <a:rPr lang="en-US" altLang="en-US" sz="2000" dirty="0"/>
+              <a:t>For Class Audio Connection: </a:t>
+            </a:r>
+          </a:p>
+          <a:p>
+            <a:pPr lvl="2">
+              <a:spcBef>
+                <a:spcPts val="1200"/>
+              </a:spcBef>
+              <a:buFont typeface="Wingdings" charset="2"/>
+              <a:buChar char="§"/>
+            </a:pPr>
+            <a:r>
+              <a:rPr lang="en-US" altLang="en-US" sz="1600" dirty="0"/>
+              <a:t>ONLC Office Locations – </a:t>
+            </a:r>
+            <a:br>
+              <a:rPr lang="en-US" altLang="en-US" sz="1600" dirty="0"/>
+            </a:br>
+            <a:r>
+              <a:rPr lang="en-US" altLang="en-US" sz="1600" dirty="0"/>
+              <a:t>Audio is connected over Jabra™ speaker</a:t>
+            </a:r>
+          </a:p>
+          <a:p>
+            <a:pPr lvl="2">
+              <a:spcBef>
+                <a:spcPts val="1200"/>
+              </a:spcBef>
+              <a:buFont typeface="Wingdings" charset="2"/>
+              <a:buChar char="§"/>
+            </a:pPr>
+            <a:r>
+              <a:rPr lang="en-US" altLang="en-US" sz="1600" dirty="0"/>
+              <a:t>Home or Office – </a:t>
+            </a:r>
+            <a:br>
+              <a:rPr lang="en-US" altLang="en-US" sz="1600" dirty="0"/>
+            </a:br>
+            <a:r>
+              <a:rPr lang="en-US" altLang="en-US" sz="1600" dirty="0"/>
+              <a:t>Call: </a:t>
+            </a:r>
+            <a:r>
+              <a:rPr lang="en-US" altLang="en-US" sz="1600" dirty="0" smtClean="0"/>
+              <a:t>(312) 757-3117 </a:t>
+            </a:r>
+            <a:r>
+              <a:rPr lang="en-US" altLang="en-US" sz="1600" dirty="0"/>
+              <a:t>Access Code</a:t>
+            </a:r>
+            <a:r>
+              <a:rPr lang="en-US" altLang="en-US" sz="1600"/>
+              <a:t>: </a:t>
+            </a:r>
+            <a:r>
+              <a:rPr lang="en-US" altLang="en-US" sz="1600" smtClean="0"/>
+              <a:t>755 847 581 </a:t>
+            </a:r>
+            <a:r>
+              <a:rPr lang="en-US" altLang="en-US" sz="1600" dirty="0"/>
+              <a:t>#</a:t>
+            </a:r>
+            <a:br>
+              <a:rPr lang="en-US" altLang="en-US" sz="1600" dirty="0"/>
+            </a:br>
+            <a:r>
+              <a:rPr lang="en-US" altLang="en-US" sz="1600" dirty="0"/>
+              <a:t>Enter the audio pin shown in the GoToMeeting panel</a:t>
+            </a:r>
+          </a:p>
+          <a:p>
+            <a:pPr lvl="1">
+              <a:spcBef>
+                <a:spcPts val="1800"/>
+              </a:spcBef>
+            </a:pPr>
+            <a:r>
+              <a:rPr lang="en-US" altLang="en-US" sz="2000" dirty="0"/>
+              <a:t>If you need assistance, call 800-288-8221</a:t>
+            </a:r>
+          </a:p>
+        </p:txBody>
+      </p:sp>
+      <p:sp>
+        <p:nvSpPr>
+          <p:cNvPr id="6147" name="Text Placeholder 6"/>
+          <p:cNvSpPr>
+            <a:spLocks noGrp="1"/>
+          </p:cNvSpPr>
+          <p:nvPr>
+            <p:ph type="body" sz="quarter" idx="10"/>
+          </p:nvPr>
+        </p:nvSpPr>
+        <p:spPr>
+          <a:xfrm>
+            <a:off x="2667000" y="1425575"/>
+            <a:ext cx="4876800" cy="1066800"/>
+          </a:xfrm>
+        </p:spPr>
         <p:txBody>
           <a:bodyPr/>
           <a:lstStyle/>
           <a:p>
-            <a:r>
-              <a:rPr lang="en-US" dirty="0" smtClean="0">
-                <a:solidFill>
-                  <a:schemeClr val="accent2">
-                    <a:lumMod val="75000"/>
-                  </a:schemeClr>
-                </a:solidFill>
+            <a:pPr eaLnBrk="1" hangingPunct="1"/>
+            <a:r>
+              <a:rPr lang="en-US" altLang="en-US" sz="2400" b="1"/>
+              <a:t>Instructor:  </a:t>
+            </a:r>
+            <a:r>
+              <a:rPr lang="en-US" altLang="en-US" sz="2400"/>
+              <a:t>Dan Costello</a:t>
+            </a:r>
+            <a:br>
+              <a:rPr lang="en-US" altLang="en-US" sz="2400"/>
+            </a:br>
+            <a:r>
+              <a:rPr lang="en-US" altLang="en-US" sz="2400" b="1"/>
+              <a:t>   Email:  </a:t>
+            </a:r>
+            <a:r>
+              <a:rPr lang="en-US" altLang="en-US" sz="2400">
+                <a:hlinkClick r:id="rId3"/>
               </a:rPr>
-              <a:t>Welcome to :</a:t>
-            </a:r>
-            <a:br>
-              <a:rPr lang="en-US" dirty="0" smtClean="0">
-                <a:solidFill>
-                  <a:schemeClr val="accent2">
-                    <a:lumMod val="75000"/>
-                  </a:schemeClr>
-                </a:solidFill>
-              </a:rPr>
-            </a:br>
-            <a:r>
-              <a:rPr lang="en-US" dirty="0" smtClean="0">
-                <a:solidFill>
-                  <a:schemeClr val="accent2">
-                    <a:lumMod val="75000"/>
-                  </a:schemeClr>
-                </a:solidFill>
-              </a:rPr>
-              <a:t>GitHub for Developers</a:t>
-            </a:r>
-            <a:endParaRPr lang="en-US" dirty="0">
-              <a:solidFill>
-                <a:schemeClr val="accent2">
-                  <a:lumMod val="75000"/>
-                </a:schemeClr>
-              </a:solidFill>
-            </a:endParaRPr>
-          </a:p>
-        </p:txBody>
-      </p:sp>
-      <p:sp>
-        <p:nvSpPr>
-          <p:cNvPr id="3" name="Subtitle 2"/>
-          <p:cNvSpPr>
-            <a:spLocks noGrp="1"/>
-          </p:cNvSpPr>
-          <p:nvPr>
-            <p:ph type="subTitle" idx="1"/>
-          </p:nvPr>
-        </p:nvSpPr>
-        <p:spPr/>
-        <p:txBody>
-          <a:bodyPr/>
-          <a:lstStyle/>
-          <a:p>
-            <a:endParaRPr lang="en-US" dirty="0"/>
-          </a:p>
-        </p:txBody>
-      </p:sp>
+              <a:t>danc@onlc.com</a:t>
+            </a:r>
+            <a:endParaRPr lang="en-US" altLang="en-US" sz="2400"/>
+          </a:p>
+        </p:txBody>
+      </p:sp>
+      <p:pic>
+        <p:nvPicPr>
+          <p:cNvPr id="6148" name="Picture 9" descr="Jabra.gif"/>
+          <p:cNvPicPr>
+            <a:picLocks noChangeAspect="1"/>
+          </p:cNvPicPr>
+          <p:nvPr/>
+        </p:nvPicPr>
+        <p:blipFill>
+          <a:blip r:embed="rId4" cstate="print">
+            <a:extLst>
+              <a:ext uri="{28A0092B-C50C-407E-A947-70E740481C1C}">
+                <a14:useLocalDpi xmlns:a14="http://schemas.microsoft.com/office/drawing/2010/main" val="0"/>
+              </a:ext>
+            </a:extLst>
+          </a:blip>
+          <a:srcRect/>
+          <a:stretch>
+            <a:fillRect/>
+          </a:stretch>
+        </p:blipFill>
+        <p:spPr bwMode="auto">
+          <a:xfrm>
+            <a:off x="8839200" y="2933700"/>
+            <a:ext cx="1600200" cy="1485900"/>
+          </a:xfrm>
+          <a:prstGeom prst="rect">
+            <a:avLst/>
+          </a:prstGeom>
+          <a:noFill/>
+          <a:ln>
+            <a:noFill/>
+          </a:ln>
+          <a:extLst>
+            <a:ext uri="{909E8E84-426E-40DD-AFC4-6F175D3DCCD1}">
+              <a14:hiddenFill xmlns:a14="http://schemas.microsoft.com/office/drawing/2010/main">
+                <a:solidFill>
+                  <a:srgbClr val="FFFFFF"/>
+                </a:solidFill>
+              </a14:hiddenFill>
+            </a:ext>
+            <a:ext uri="{91240B29-F687-4F45-9708-019B960494DF}">
+              <a14:hiddenLine xmlns:a14="http://schemas.microsoft.com/office/drawing/2010/main" w="9525">
+                <a:solidFill>
+                  <a:srgbClr val="000000"/>
+                </a:solidFill>
+                <a:miter lim="800000"/>
+                <a:headEnd/>
+                <a:tailEnd/>
+              </a14:hiddenLine>
+            </a:ext>
+          </a:extLst>
+        </p:spPr>
+      </p:pic>
+      <p:cxnSp>
+        <p:nvCxnSpPr>
+          <p:cNvPr id="12" name="Straight Arrow Connector 11"/>
+          <p:cNvCxnSpPr/>
+          <p:nvPr/>
+        </p:nvCxnSpPr>
+        <p:spPr>
+          <a:xfrm>
+            <a:off x="7426712" y="3710103"/>
+            <a:ext cx="1336288" cy="0"/>
+          </a:xfrm>
+          <a:prstGeom prst="straightConnector1">
+            <a:avLst/>
+          </a:prstGeom>
+          <a:ln w="19050">
+            <a:solidFill>
+              <a:schemeClr val="tx2">
+                <a:lumMod val="75000"/>
+              </a:schemeClr>
+            </a:solidFill>
+            <a:tailEnd type="arrow"/>
+          </a:ln>
+        </p:spPr>
+        <p:style>
+          <a:lnRef idx="1">
+            <a:schemeClr val="accent1"/>
+          </a:lnRef>
+          <a:fillRef idx="0">
+            <a:schemeClr val="accent1"/>
+          </a:fillRef>
+          <a:effectRef idx="0">
+            <a:schemeClr val="accent1"/>
+          </a:effectRef>
+          <a:fontRef idx="minor">
+            <a:schemeClr val="tx1"/>
+          </a:fontRef>
+        </p:style>
+      </p:cxnSp>
     </p:spTree>
     <p:extLst>
       <p:ext uri="{BB962C8B-B14F-4D97-AF65-F5344CB8AC3E}">
-        <p14:creationId xmlns:p14="http://schemas.microsoft.com/office/powerpoint/2010/main" val="3122656394"/>
+        <p14:creationId xmlns:p14="http://schemas.microsoft.com/office/powerpoint/2010/main" val="3754308577"/>
       </p:ext>
     </p:extLst>
   </p:cSld>
@@ -5896,7 +6907,7 @@
             <a:spLocks noGrp="1"/>
           </p:cNvSpPr>
           <p:nvPr>
-            <p:ph type="title"/>
+            <p:ph type="ctrTitle"/>
           </p:nvPr>
         </p:nvSpPr>
         <p:spPr/>
@@ -5912,7 +6923,26 @@
                   </a:schemeClr>
                 </a:solidFill>
               </a:rPr>
-              <a:t>Introductions</a:t>
+              <a:t>Welcome to :</a:t>
+            </a:r>
+            <a:br>
+              <a:rPr lang="en-US" dirty="0" smtClean="0">
+                <a:solidFill>
+                  <a:schemeClr val="accent2">
+                    <a:lumMod val="75000"/>
+                  </a:schemeClr>
+                </a:solidFill>
+              </a:rPr>
+            </a:br>
+            <a:r>
+              <a:rPr lang="en-US" dirty="0" smtClean="0">
+                <a:solidFill>
+                  <a:schemeClr val="accent2">
+                    <a:lumMod val="75000"/>
+                  </a:schemeClr>
+                </a:solidFill>
+              </a:rPr>
+              <a:t>GitHub for Developers</a:t>
             </a:r>
             <a:endParaRPr lang="en-US" dirty="0">
               <a:solidFill>
@@ -5926,152 +6956,27 @@
       </p:sp>
       <p:sp>
         <p:nvSpPr>
-          <p:cNvPr id="3" name="Content Placeholder 2"/>
-          <p:cNvSpPr>
-            <a:spLocks noGrp="1"/>
-          </p:cNvSpPr>
-          <p:nvPr>
-            <p:ph idx="1"/>
+          <p:cNvPr id="3" name="Subtitle 2"/>
+          <p:cNvSpPr>
+            <a:spLocks noGrp="1"/>
+          </p:cNvSpPr>
+          <p:nvPr>
+            <p:ph type="subTitle" idx="1"/>
           </p:nvPr>
         </p:nvSpPr>
         <p:spPr/>
         <p:txBody>
-          <a:bodyPr>
-            <a:normAutofit fontScale="85000" lnSpcReduction="20000"/>
-          </a:bodyPr>
-          <a:lstStyle/>
-          <a:p>
-            <a:r>
-              <a:rPr lang="en-US" sz="2000" dirty="0" smtClean="0">
-                <a:solidFill>
-                  <a:schemeClr val="accent2">
-                    <a:lumMod val="75000"/>
-                  </a:schemeClr>
-                </a:solidFill>
-              </a:rPr>
-              <a:t>Name, Company, Title, Job Responsibilities</a:t>
-            </a:r>
-          </a:p>
-          <a:p>
-            <a:endParaRPr lang="en-US" sz="2000" dirty="0">
-              <a:solidFill>
-                <a:schemeClr val="accent2">
-                  <a:lumMod val="75000"/>
-                </a:schemeClr>
-              </a:solidFill>
-            </a:endParaRPr>
-          </a:p>
-          <a:p>
-            <a:r>
-              <a:rPr lang="en-US" sz="2000" dirty="0" smtClean="0">
-                <a:solidFill>
-                  <a:schemeClr val="accent2">
-                    <a:lumMod val="75000"/>
-                  </a:schemeClr>
-                </a:solidFill>
-              </a:rPr>
-              <a:t>Do you currently use any repositories (code, data, files)</a:t>
-            </a:r>
-          </a:p>
-          <a:p>
-            <a:endParaRPr lang="en-US" sz="2000" dirty="0" smtClean="0">
-              <a:solidFill>
-                <a:schemeClr val="accent2">
-                  <a:lumMod val="75000"/>
-                </a:schemeClr>
-              </a:solidFill>
-            </a:endParaRPr>
-          </a:p>
-          <a:p>
-            <a:r>
-              <a:rPr lang="en-US" sz="2000" dirty="0" smtClean="0">
-                <a:solidFill>
-                  <a:schemeClr val="accent2">
-                    <a:lumMod val="75000"/>
-                  </a:schemeClr>
-                </a:solidFill>
-              </a:rPr>
-              <a:t>Have you ever worked with GitHub in any capacity?</a:t>
-            </a:r>
-          </a:p>
-          <a:p>
-            <a:endParaRPr lang="en-US" sz="2000" dirty="0" smtClean="0">
-              <a:solidFill>
-                <a:schemeClr val="accent2">
-                  <a:lumMod val="75000"/>
-                </a:schemeClr>
-              </a:solidFill>
-            </a:endParaRPr>
-          </a:p>
-          <a:p>
-            <a:r>
-              <a:rPr lang="en-US" sz="2000" dirty="0" smtClean="0">
-                <a:solidFill>
-                  <a:schemeClr val="accent2">
-                    <a:lumMod val="75000"/>
-                  </a:schemeClr>
-                </a:solidFill>
-              </a:rPr>
-              <a:t>Do you have a GitHub account (personal) yet?</a:t>
-            </a:r>
-          </a:p>
-          <a:p>
-            <a:endParaRPr lang="en-US" sz="2000" dirty="0">
-              <a:solidFill>
-                <a:schemeClr val="accent2">
-                  <a:lumMod val="75000"/>
-                </a:schemeClr>
-              </a:solidFill>
-            </a:endParaRPr>
-          </a:p>
-          <a:p>
-            <a:r>
-              <a:rPr lang="en-US" sz="2000" dirty="0" smtClean="0">
-                <a:solidFill>
-                  <a:schemeClr val="accent2">
-                    <a:lumMod val="75000"/>
-                  </a:schemeClr>
-                </a:solidFill>
-              </a:rPr>
-              <a:t>What do you hope to take away from this class?</a:t>
-            </a:r>
-          </a:p>
-          <a:p>
-            <a:endParaRPr lang="en-US" sz="2000" dirty="0">
-              <a:solidFill>
-                <a:schemeClr val="accent2">
-                  <a:lumMod val="75000"/>
-                </a:schemeClr>
-              </a:solidFill>
-            </a:endParaRPr>
-          </a:p>
-          <a:p>
-            <a:r>
-              <a:rPr lang="en-US" sz="2000" dirty="0" smtClean="0">
-                <a:solidFill>
-                  <a:schemeClr val="accent2">
-                    <a:lumMod val="75000"/>
-                  </a:schemeClr>
-                </a:solidFill>
-              </a:rPr>
-              <a:t>Did you receive the book for class today?</a:t>
-            </a:r>
-          </a:p>
-          <a:p>
-            <a:endParaRPr lang="en-US" sz="2000" dirty="0" smtClean="0">
-              <a:solidFill>
-                <a:schemeClr val="accent2">
-                  <a:lumMod val="75000"/>
-                </a:schemeClr>
-              </a:solidFill>
-            </a:endParaRPr>
+          <a:bodyPr/>
+          <a:lstStyle/>
+          <a:p>
+            <a:endParaRPr lang="en-US" dirty="0"/>
           </a:p>
         </p:txBody>
       </p:sp>
     </p:spTree>
     <p:extLst>
       <p:ext uri="{BB962C8B-B14F-4D97-AF65-F5344CB8AC3E}">
-        <p14:creationId xmlns:p14="http://schemas.microsoft.com/office/powerpoint/2010/main" val="2837711598"/>
+        <p14:creationId xmlns:p14="http://schemas.microsoft.com/office/powerpoint/2010/main" val="3122656394"/>
       </p:ext>
     </p:extLst>
   </p:cSld>
@@ -6121,7 +7026,7 @@
                   </a:schemeClr>
                 </a:solidFill>
               </a:rPr>
-              <a:t>Logistics</a:t>
+              <a:t>Introductions</a:t>
             </a:r>
             <a:endParaRPr lang="en-US" dirty="0">
               <a:solidFill>
@@ -6146,7 +7051,7 @@
         <p:spPr/>
         <p:txBody>
           <a:bodyPr>
-            <a:normAutofit/>
+            <a:normAutofit fontScale="85000" lnSpcReduction="20000"/>
           </a:bodyPr>
           <a:lstStyle/>
           <a:p>
@@ -6158,7 +7063,7 @@
                   </a:schemeClr>
                 </a:solidFill>
               </a:rPr>
-              <a:t>Class Hours : 10:00AM-4:45PM (EST)</a:t>
+              <a:t>Name, Company, Title, Job Responsibilities</a:t>
             </a:r>
           </a:p>
           <a:p>
@@ -6179,7 +7084,7 @@
                   </a:schemeClr>
                 </a:solidFill>
               </a:rPr>
-              <a:t>Breaks – 2 – around 11:30PM and again around 3:30PM (EST)</a:t>
+              <a:t>Do you currently use any repositories (code, data, files)</a:t>
             </a:r>
           </a:p>
           <a:p>
@@ -6200,27 +7105,28 @@
                   </a:schemeClr>
                 </a:solidFill>
               </a:rPr>
-              <a:t>Lunch</a:t>
-            </a:r>
-            <a:r>
-              <a:rPr lang="en-US" sz="2000" smtClean="0">
+              <a:t>Have you ever worked with GitHub in any capacity?</a:t>
+            </a:r>
+          </a:p>
+          <a:p>
+            <a:endParaRPr lang="en-US" sz="2000" dirty="0" smtClean="0">
+              <a:solidFill>
+                <a:schemeClr val="accent2">
+                  <a:lumMod val="75000"/>
+                </a:schemeClr>
+              </a:solidFill>
+            </a:endParaRPr>
+          </a:p>
+          <a:p>
+            <a:r>
+              <a:rPr lang="en-US" sz="2000" dirty="0" smtClean="0">
                 <a:solidFill>
                   <a:schemeClr val="accent2">
                     <a:lumMod val="75000"/>
                   </a:schemeClr>
                 </a:solidFill>
               </a:rPr>
-              <a:t>: 12:15-1:15PM </a:t>
-            </a:r>
-            <a:r>
-              <a:rPr lang="en-US" sz="2000" dirty="0" smtClean="0">
-                <a:solidFill>
-                  <a:schemeClr val="accent2">
-                    <a:lumMod val="75000"/>
-                  </a:schemeClr>
-                </a:solidFill>
-              </a:rPr>
-              <a:t>(EST)</a:t>
+              <a:t>Do you have a GitHub account (personal) yet?</a:t>
             </a:r>
           </a:p>
           <a:p>
@@ -6241,7 +7147,28 @@
                   </a:schemeClr>
                 </a:solidFill>
               </a:rPr>
-              <a:t>ONLC Wi-Fi – if your location has it, the password is: 1234567890</a:t>
+              <a:t>What do you hope to take away from this class?</a:t>
+            </a:r>
+          </a:p>
+          <a:p>
+            <a:endParaRPr lang="en-US" sz="2000" dirty="0">
+              <a:solidFill>
+                <a:schemeClr val="accent2">
+                  <a:lumMod val="75000"/>
+                </a:schemeClr>
+              </a:solidFill>
+            </a:endParaRPr>
+          </a:p>
+          <a:p>
+            <a:r>
+              <a:rPr lang="en-US" sz="2000" dirty="0" smtClean="0">
+                <a:solidFill>
+                  <a:schemeClr val="accent2">
+                    <a:lumMod val="75000"/>
+                  </a:schemeClr>
+                </a:solidFill>
+              </a:rPr>
+              <a:t>Did you receive the book for class today?</a:t>
             </a:r>
           </a:p>
           <a:p>
@@ -6258,7 +7185,7 @@
     </p:spTree>
     <p:extLst>
       <p:ext uri="{BB962C8B-B14F-4D97-AF65-F5344CB8AC3E}">
-        <p14:creationId xmlns:p14="http://schemas.microsoft.com/office/powerpoint/2010/main" val="1358752720"/>
+        <p14:creationId xmlns:p14="http://schemas.microsoft.com/office/powerpoint/2010/main" val="2837711598"/>
       </p:ext>
     </p:extLst>
   </p:cSld>
@@ -6308,17 +7235,8 @@
                   </a:schemeClr>
                 </a:solidFill>
               </a:rPr>
-              <a:t>What You Will Learn:</a:t>
-            </a:r>
-            <a:br>
-              <a:rPr lang="en-US" dirty="0" smtClean="0">
-                <a:solidFill>
-                  <a:schemeClr val="accent2">
-                    <a:lumMod val="75000"/>
-                  </a:schemeClr>
-                </a:solidFill>
-              </a:rPr>
-            </a:br>
+              <a:t>Logistics</a:t>
+            </a:r>
             <a:endParaRPr lang="en-US" dirty="0">
               <a:solidFill>
                 <a:schemeClr val="accent2">
@@ -6342,7 +7260,7 @@
         <p:spPr/>
         <p:txBody>
           <a:bodyPr>
-            <a:normAutofit fontScale="85000" lnSpcReduction="20000"/>
+            <a:normAutofit/>
           </a:bodyPr>
           <a:lstStyle/>
           <a:p>
@@ -6354,8 +7272,19 @@
                   </a:schemeClr>
                 </a:solidFill>
               </a:rPr>
-              <a:t>Chapter 1 – </a:t>
-            </a:r>
+              <a:t>Class Hours : 10:00AM-4:45PM (EST)</a:t>
+            </a:r>
+          </a:p>
+          <a:p>
+            <a:endParaRPr lang="en-US" sz="2000" dirty="0">
+              <a:solidFill>
+                <a:schemeClr val="accent2">
+                  <a:lumMod val="75000"/>
+                </a:schemeClr>
+              </a:solidFill>
+            </a:endParaRPr>
+          </a:p>
+          <a:p>
             <a:r>
               <a:rPr lang="en-US" sz="2000" dirty="0" smtClean="0">
                 <a:solidFill>
@@ -6364,38 +7293,10 @@
                   </a:schemeClr>
                 </a:solidFill>
               </a:rPr>
-              <a:t>Setting up your </a:t>
-            </a:r>
-            <a:r>
-              <a:rPr lang="en-US" sz="2000" dirty="0" err="1" smtClean="0">
-                <a:solidFill>
-                  <a:schemeClr val="accent2">
-                    <a:lumMod val="75000"/>
-                  </a:schemeClr>
-                </a:solidFill>
-              </a:rPr>
-              <a:t>Git</a:t>
-            </a:r>
-            <a:r>
-              <a:rPr lang="en-US" sz="2000" dirty="0">
-                <a:solidFill>
-                  <a:schemeClr val="accent2">
-                    <a:lumMod val="75000"/>
-                  </a:schemeClr>
-                </a:solidFill>
-              </a:rPr>
-              <a:t>-</a:t>
-            </a:r>
-            <a:r>
-              <a:rPr lang="en-US" sz="2000" dirty="0" smtClean="0">
-                <a:solidFill>
-                  <a:schemeClr val="accent2">
-                    <a:lumMod val="75000"/>
-                  </a:schemeClr>
-                </a:solidFill>
-              </a:rPr>
-              <a:t>Hub Environment</a:t>
-            </a:r>
+              <a:t>Breaks – 2 – around 11:30PM and again around 3:30PM (EST)</a:t>
+            </a:r>
+          </a:p>
+          <a:p>
             <a:endParaRPr lang="en-US" sz="2000" dirty="0" smtClean="0">
               <a:solidFill>
                 <a:schemeClr val="accent2">
@@ -6405,6 +7306,38 @@
             </a:endParaRPr>
           </a:p>
           <a:p>
+            <a:r>
+              <a:rPr lang="en-US" sz="2000" dirty="0" smtClean="0">
+                <a:solidFill>
+                  <a:schemeClr val="accent2">
+                    <a:lumMod val="75000"/>
+                  </a:schemeClr>
+                </a:solidFill>
+              </a:rPr>
+              <a:t>Lunch</a:t>
+            </a:r>
+            <a:r>
+              <a:rPr lang="en-US" sz="2000" smtClean="0">
+                <a:solidFill>
+                  <a:schemeClr val="accent2">
+                    <a:lumMod val="75000"/>
+                  </a:schemeClr>
+                </a:solidFill>
+              </a:rPr>
+              <a:t>: 12:15-1:15PM </a:t>
+            </a:r>
+            <a:r>
+              <a:rPr lang="en-US" sz="2000" dirty="0" smtClean="0">
+                <a:solidFill>
+                  <a:schemeClr val="accent2">
+                    <a:lumMod val="75000"/>
+                  </a:schemeClr>
+                </a:solidFill>
+              </a:rPr>
+              <a:t>(EST)</a:t>
+            </a:r>
+          </a:p>
+          <a:p>
             <a:endParaRPr lang="en-US" sz="2000" dirty="0">
               <a:solidFill>
                 <a:schemeClr val="accent2">
@@ -6422,68 +7355,10 @@
                   </a:schemeClr>
                 </a:solidFill>
               </a:rPr>
-              <a:t>Chapter 2 – </a:t>
-            </a:r>
-            <a:r>
-              <a:rPr lang="en-US" sz="2000" dirty="0" smtClean="0">
-                <a:solidFill>
-                  <a:schemeClr val="accent2">
-                    <a:lumMod val="75000"/>
-                  </a:schemeClr>
-                </a:solidFill>
-              </a:rPr>
-              <a:t>Collaboration – What is </a:t>
-            </a:r>
-            <a:r>
-              <a:rPr lang="en-US" sz="2000" dirty="0" err="1" smtClean="0">
-                <a:solidFill>
-                  <a:schemeClr val="accent2">
-                    <a:lumMod val="75000"/>
-                  </a:schemeClr>
-                </a:solidFill>
-              </a:rPr>
-              <a:t>Git</a:t>
-            </a:r>
-            <a:r>
-              <a:rPr lang="en-US" sz="2000" dirty="0">
-                <a:solidFill>
-                  <a:schemeClr val="accent2">
-                    <a:lumMod val="75000"/>
-                  </a:schemeClr>
-                </a:solidFill>
-              </a:rPr>
-              <a:t>-</a:t>
-            </a:r>
-            <a:r>
-              <a:rPr lang="en-US" sz="2000" dirty="0" smtClean="0">
-                <a:solidFill>
-                  <a:schemeClr val="accent2">
-                    <a:lumMod val="75000"/>
-                  </a:schemeClr>
-                </a:solidFill>
-              </a:rPr>
-              <a:t>Hub?, What is </a:t>
-            </a:r>
-            <a:r>
-              <a:rPr lang="en-US" sz="2000" dirty="0" err="1" smtClean="0">
-                <a:solidFill>
-                  <a:schemeClr val="accent2">
-                    <a:lumMod val="75000"/>
-                  </a:schemeClr>
-                </a:solidFill>
-              </a:rPr>
-              <a:t>Git</a:t>
-            </a:r>
-            <a:r>
-              <a:rPr lang="en-US" sz="2000" dirty="0" smtClean="0">
-                <a:solidFill>
-                  <a:schemeClr val="accent2">
-                    <a:lumMod val="75000"/>
-                  </a:schemeClr>
-                </a:solidFill>
-              </a:rPr>
-              <a:t>?</a:t>
-            </a:r>
+              <a:t>ONLC Wi-Fi – if your location has it, the password is: 1234567890</a:t>
+            </a:r>
+          </a:p>
+          <a:p>
             <a:endParaRPr lang="en-US" sz="2000" dirty="0" smtClean="0">
               <a:solidFill>
                 <a:schemeClr val="accent2">
@@ -6492,108 +7367,12 @@
               </a:solidFill>
             </a:endParaRPr>
           </a:p>
-          <a:p>
-            <a:endParaRPr lang="en-US" sz="2000" dirty="0" smtClean="0">
-              <a:solidFill>
-                <a:schemeClr val="accent2">
-                  <a:lumMod val="75000"/>
-                </a:schemeClr>
-              </a:solidFill>
-            </a:endParaRPr>
-          </a:p>
-          <a:p>
-            <a:r>
-              <a:rPr lang="en-US" sz="2000" dirty="0" smtClean="0">
-                <a:solidFill>
-                  <a:schemeClr val="accent2">
-                    <a:lumMod val="75000"/>
-                  </a:schemeClr>
-                </a:solidFill>
-              </a:rPr>
-              <a:t>Chapter 3 – GitHub Flow</a:t>
-            </a:r>
-          </a:p>
-          <a:p>
-            <a:endParaRPr lang="en-US" sz="2000" dirty="0">
-              <a:solidFill>
-                <a:schemeClr val="accent2">
-                  <a:lumMod val="75000"/>
-                </a:schemeClr>
-              </a:solidFill>
-            </a:endParaRPr>
-          </a:p>
-          <a:p>
-            <a:r>
-              <a:rPr lang="en-US" sz="2000" dirty="0" smtClean="0">
-                <a:solidFill>
-                  <a:schemeClr val="accent2">
-                    <a:lumMod val="75000"/>
-                  </a:schemeClr>
-                </a:solidFill>
-              </a:rPr>
-              <a:t>Chapter 4 – Branching with GitHub</a:t>
-            </a:r>
-          </a:p>
-          <a:p>
-            <a:endParaRPr lang="en-US" sz="2000" dirty="0">
-              <a:solidFill>
-                <a:schemeClr val="accent2">
-                  <a:lumMod val="75000"/>
-                </a:schemeClr>
-              </a:solidFill>
-            </a:endParaRPr>
-          </a:p>
-          <a:p>
-            <a:r>
-              <a:rPr lang="en-US" sz="2000" dirty="0" smtClean="0">
-                <a:solidFill>
-                  <a:schemeClr val="accent2">
-                    <a:lumMod val="75000"/>
-                  </a:schemeClr>
-                </a:solidFill>
-              </a:rPr>
-              <a:t>Chapter 5 – Collaborating on Code</a:t>
-            </a:r>
-          </a:p>
-          <a:p>
-            <a:endParaRPr lang="en-US" sz="2000" dirty="0">
-              <a:solidFill>
-                <a:schemeClr val="accent2">
-                  <a:lumMod val="75000"/>
-                </a:schemeClr>
-              </a:solidFill>
-            </a:endParaRPr>
-          </a:p>
-          <a:p>
-            <a:r>
-              <a:rPr lang="en-US" sz="2000" dirty="0" smtClean="0">
-                <a:solidFill>
-                  <a:schemeClr val="accent2">
-                    <a:lumMod val="75000"/>
-                  </a:schemeClr>
-                </a:solidFill>
-              </a:rPr>
-              <a:t>Chapter 6 – Working with Files</a:t>
-            </a:r>
-          </a:p>
-          <a:p>
-            <a:pPr marL="0" indent="0">
-              <a:buNone/>
-            </a:pPr>
-            <a:endParaRPr lang="en-US" sz="2000" dirty="0" smtClean="0">
-              <a:solidFill>
-                <a:schemeClr val="accent2">
-                  <a:lumMod val="75000"/>
-                </a:schemeClr>
-              </a:solidFill>
-            </a:endParaRPr>
-          </a:p>
         </p:txBody>
       </p:sp>
     </p:spTree>
     <p:extLst>
       <p:ext uri="{BB962C8B-B14F-4D97-AF65-F5344CB8AC3E}">
-        <p14:creationId xmlns:p14="http://schemas.microsoft.com/office/powerpoint/2010/main" val="4042475043"/>
+        <p14:creationId xmlns:p14="http://schemas.microsoft.com/office/powerpoint/2010/main" val="1358752720"/>
       </p:ext>
     </p:extLst>
   </p:cSld>
@@ -6689,7 +7468,37 @@
                   </a:schemeClr>
                 </a:solidFill>
               </a:rPr>
-              <a:t>Chapter 7 – Projects &amp; Game Project Review</a:t>
+              <a:t>Chapter 1 – Setting up your </a:t>
+            </a:r>
+            <a:r>
+              <a:rPr lang="en-US" sz="2000" dirty="0" err="1" smtClean="0">
+                <a:solidFill>
+                  <a:schemeClr val="accent2">
+                    <a:lumMod val="75000"/>
+                  </a:schemeClr>
+                </a:solidFill>
+              </a:rPr>
+              <a:t>Git</a:t>
+            </a:r>
+            <a:r>
+              <a:rPr lang="en-US" sz="2000" dirty="0">
+                <a:solidFill>
+                  <a:schemeClr val="accent2">
+                    <a:lumMod val="75000"/>
+                  </a:schemeClr>
+                </a:solidFill>
+              </a:rPr>
+              <a:t>-</a:t>
+            </a:r>
+            <a:r>
+              <a:rPr lang="en-US" sz="2000" dirty="0" smtClean="0">
+                <a:solidFill>
+                  <a:schemeClr val="accent2">
+                    <a:lumMod val="75000"/>
+                  </a:schemeClr>
+                </a:solidFill>
+              </a:rPr>
+              <a:t>Hub Environment</a:t>
             </a:r>
           </a:p>
           <a:p>
@@ -6710,7 +7519,57 @@
                   </a:schemeClr>
                 </a:solidFill>
               </a:rPr>
-              <a:t>Chapter 8 - Merging</a:t>
+              <a:t>Chapter 2 – Collaboration – What is </a:t>
+            </a:r>
+            <a:r>
+              <a:rPr lang="en-US" sz="2000" dirty="0" err="1" smtClean="0">
+                <a:solidFill>
+                  <a:schemeClr val="accent2">
+                    <a:lumMod val="75000"/>
+                  </a:schemeClr>
+                </a:solidFill>
+              </a:rPr>
+              <a:t>Git</a:t>
+            </a:r>
+            <a:r>
+              <a:rPr lang="en-US" sz="2000" dirty="0">
+                <a:solidFill>
+                  <a:schemeClr val="accent2">
+                    <a:lumMod val="75000"/>
+                  </a:schemeClr>
+                </a:solidFill>
+              </a:rPr>
+              <a:t>-</a:t>
+            </a:r>
+            <a:r>
+              <a:rPr lang="en-US" sz="2000" dirty="0" smtClean="0">
+                <a:solidFill>
+                  <a:schemeClr val="accent2">
+                    <a:lumMod val="75000"/>
+                  </a:schemeClr>
+                </a:solidFill>
+              </a:rPr>
+              <a:t>Hub?, What is </a:t>
+            </a:r>
+            <a:r>
+              <a:rPr lang="en-US" sz="2000" dirty="0" err="1" smtClean="0">
+                <a:solidFill>
+                  <a:schemeClr val="accent2">
+                    <a:lumMod val="75000"/>
+                  </a:schemeClr>
+                </a:solidFill>
+              </a:rPr>
+              <a:t>Git</a:t>
+            </a:r>
+            <a:r>
+              <a:rPr lang="en-US" sz="2000" dirty="0" smtClean="0">
+                <a:solidFill>
+                  <a:schemeClr val="accent2">
+                    <a:lumMod val="75000"/>
+                  </a:schemeClr>
+                </a:solidFill>
+              </a:rPr>
+              <a:t>?</a:t>
             </a:r>
           </a:p>
           <a:p>
@@ -6731,7 +7590,7 @@
                   </a:schemeClr>
                 </a:solidFill>
               </a:rPr>
-              <a:t>Chapter 9 -  Forking</a:t>
+              <a:t>Chapter 3 – GitHub Flow</a:t>
             </a:r>
           </a:p>
           <a:p>
@@ -6752,7 +7611,7 @@
                   </a:schemeClr>
                 </a:solidFill>
               </a:rPr>
-              <a:t>Chapter 10 - Commits</a:t>
+              <a:t>Chapter 4 – Branching with GitHub</a:t>
             </a:r>
           </a:p>
           <a:p>
@@ -6773,7 +7632,7 @@
                   </a:schemeClr>
                 </a:solidFill>
               </a:rPr>
-              <a:t>Chapter 11 - Reversing</a:t>
+              <a:t>Chapter 5 – Collaborating on Code</a:t>
             </a:r>
           </a:p>
           <a:p>
@@ -6794,15 +7653,27 @@
                   </a:schemeClr>
                 </a:solidFill>
               </a:rPr>
-              <a:t>Chapter 12 – Rewriting History</a:t>
-            </a:r>
+              <a:t>Chapter 6 – Working with Files</a:t>
+            </a:r>
+          </a:p>
+          <a:p>
+            <a:pPr marL="0" indent="0">
+              <a:buNone/>
+            </a:pPr>
+            <a:endParaRPr lang="en-US" sz="2000" dirty="0" smtClean="0">
+              <a:solidFill>
+                <a:schemeClr val="accent2">
+                  <a:lumMod val="75000"/>
+                </a:schemeClr>
+              </a:solidFill>
+            </a:endParaRPr>
           </a:p>
         </p:txBody>
       </p:sp>
     </p:spTree>
     <p:extLst>
       <p:ext uri="{BB962C8B-B14F-4D97-AF65-F5344CB8AC3E}">
-        <p14:creationId xmlns:p14="http://schemas.microsoft.com/office/powerpoint/2010/main" val="1890116405"/>
+        <p14:creationId xmlns:p14="http://schemas.microsoft.com/office/powerpoint/2010/main" val="4042475043"/>
       </p:ext>
     </p:extLst>
   </p:cSld>
@@ -6852,8 +7723,17 @@
                   </a:schemeClr>
                 </a:solidFill>
               </a:rPr>
-              <a:t>What’s Next?</a:t>
-            </a:r>
+              <a:t>What You Will Learn:</a:t>
+            </a:r>
+            <a:br>
+              <a:rPr lang="en-US" dirty="0" smtClean="0">
+                <a:solidFill>
+                  <a:schemeClr val="accent2">
+                    <a:lumMod val="75000"/>
+                  </a:schemeClr>
+                </a:solidFill>
+              </a:rPr>
+            </a:br>
             <a:endParaRPr lang="en-US" dirty="0">
               <a:solidFill>
                 <a:schemeClr val="accent2">
@@ -6877,7 +7757,7 @@
         <p:spPr/>
         <p:txBody>
           <a:bodyPr>
-            <a:normAutofit/>
+            <a:normAutofit fontScale="85000" lnSpcReduction="20000"/>
           </a:bodyPr>
           <a:lstStyle/>
           <a:p>
@@ -6889,7 +7769,7 @@
                   </a:schemeClr>
                 </a:solidFill>
               </a:rPr>
-              <a:t>We will obtain FREE GitHub Accounts for use in class</a:t>
+              <a:t>Chapter 7 – Projects &amp; Game Project Review</a:t>
             </a:r>
           </a:p>
           <a:p>
@@ -6910,8 +7790,19 @@
                   </a:schemeClr>
                 </a:solidFill>
               </a:rPr>
-              <a:t>GitHub Pricing Plans for </a:t>
-            </a:r>
+              <a:t>Chapter 8 - Merging</a:t>
+            </a:r>
+          </a:p>
+          <a:p>
+            <a:endParaRPr lang="en-US" sz="2000" dirty="0" smtClean="0">
+              <a:solidFill>
+                <a:schemeClr val="accent2">
+                  <a:lumMod val="75000"/>
+                </a:schemeClr>
+              </a:solidFill>
+            </a:endParaRPr>
+          </a:p>
+          <a:p>
             <a:r>
               <a:rPr lang="en-US" sz="2000" dirty="0" smtClean="0">
                 <a:solidFill>
@@ -6920,7 +7811,186 @@
                   </a:schemeClr>
                 </a:solidFill>
               </a:rPr>
-              <a:t>Enterprise</a:t>
+              <a:t>Chapter 9 -  Forking</a:t>
+            </a:r>
+          </a:p>
+          <a:p>
+            <a:endParaRPr lang="en-US" sz="2000" dirty="0">
+              <a:solidFill>
+                <a:schemeClr val="accent2">
+                  <a:lumMod val="75000"/>
+                </a:schemeClr>
+              </a:solidFill>
+            </a:endParaRPr>
+          </a:p>
+          <a:p>
+            <a:r>
+              <a:rPr lang="en-US" sz="2000" dirty="0" smtClean="0">
+                <a:solidFill>
+                  <a:schemeClr val="accent2">
+                    <a:lumMod val="75000"/>
+                  </a:schemeClr>
+                </a:solidFill>
+              </a:rPr>
+              <a:t>Chapter 10 - Commits</a:t>
+            </a:r>
+          </a:p>
+          <a:p>
+            <a:endParaRPr lang="en-US" sz="2000" dirty="0">
+              <a:solidFill>
+                <a:schemeClr val="accent2">
+                  <a:lumMod val="75000"/>
+                </a:schemeClr>
+              </a:solidFill>
+            </a:endParaRPr>
+          </a:p>
+          <a:p>
+            <a:r>
+              <a:rPr lang="en-US" sz="2000" dirty="0" smtClean="0">
+                <a:solidFill>
+                  <a:schemeClr val="accent2">
+                    <a:lumMod val="75000"/>
+                  </a:schemeClr>
+                </a:solidFill>
+              </a:rPr>
+              <a:t>Chapter 11 - Reversing</a:t>
+            </a:r>
+          </a:p>
+          <a:p>
+            <a:endParaRPr lang="en-US" sz="2000" dirty="0">
+              <a:solidFill>
+                <a:schemeClr val="accent2">
+                  <a:lumMod val="75000"/>
+                </a:schemeClr>
+              </a:solidFill>
+            </a:endParaRPr>
+          </a:p>
+          <a:p>
+            <a:r>
+              <a:rPr lang="en-US" sz="2000" dirty="0" smtClean="0">
+                <a:solidFill>
+                  <a:schemeClr val="accent2">
+                    <a:lumMod val="75000"/>
+                  </a:schemeClr>
+                </a:solidFill>
+              </a:rPr>
+              <a:t>Chapter 12 – Rewriting History</a:t>
+            </a:r>
+          </a:p>
+        </p:txBody>
+      </p:sp>
+    </p:spTree>
+    <p:extLst>
+      <p:ext uri="{BB962C8B-B14F-4D97-AF65-F5344CB8AC3E}">
+        <p14:creationId xmlns:p14="http://schemas.microsoft.com/office/powerpoint/2010/main" val="1890116405"/>
+      </p:ext>
+    </p:extLst>
+  </p:cSld>
+  <p:clrMapOvr>
+    <a:masterClrMapping/>
+  </p:clrMapOvr>
+</p:sld>
+</file>
+
+<file path=ppt/slides/slide7.xml><?xml version="1.0" encoding="utf-8"?>
+<p:sld xmlns:a="http://schemas.openxmlformats.org/drawingml/2006/main" xmlns:r="http://schemas.openxmlformats.org/officeDocument/2006/relationships" xmlns:p="http://schemas.openxmlformats.org/presentationml/2006/main">
+  <p:cSld>
+    <p:spTree>
+      <p:nvGrpSpPr>
+        <p:cNvPr id="1" name=""/>
+        <p:cNvGrpSpPr/>
+        <p:nvPr/>
+      </p:nvGrpSpPr>
+      <p:grpSpPr>
+        <a:xfrm>
+          <a:off x="0" y="0"/>
+          <a:ext cx="0" cy="0"/>
+          <a:chOff x="0" y="0"/>
+          <a:chExt cx="0" cy="0"/>
+        </a:xfrm>
+      </p:grpSpPr>
+      <p:sp>
+        <p:nvSpPr>
+          <p:cNvPr id="2" name="Title 1"/>
+          <p:cNvSpPr>
+            <a:spLocks noGrp="1"/>
+          </p:cNvSpPr>
+          <p:nvPr>
+            <p:ph type="title"/>
+          </p:nvPr>
+        </p:nvSpPr>
+        <p:spPr/>
+        <p:txBody>
+          <a:bodyPr/>
+          <a:lstStyle/>
+          <a:p>
+            <a:r>
+              <a:rPr lang="en-US" dirty="0" smtClean="0">
+                <a:solidFill>
+                  <a:schemeClr val="accent2">
+                    <a:lumMod val="75000"/>
+                  </a:schemeClr>
+                </a:solidFill>
+              </a:rPr>
+              <a:t>What’s Next?</a:t>
+            </a:r>
+            <a:endParaRPr lang="en-US" dirty="0">
+              <a:solidFill>
+                <a:schemeClr val="accent2">
+                  <a:lumMod val="75000"/>
+                </a:schemeClr>
+              </a:solidFill>
+            </a:endParaRPr>
+          </a:p>
+        </p:txBody>
+      </p:sp>
+      <p:sp>
+        <p:nvSpPr>
+          <p:cNvPr id="3" name="Content Placeholder 2"/>
+          <p:cNvSpPr>
+            <a:spLocks noGrp="1"/>
+          </p:cNvSpPr>
+          <p:nvPr>
+            <p:ph idx="1"/>
+          </p:nvPr>
+        </p:nvSpPr>
+        <p:spPr/>
+        <p:txBody>
+          <a:bodyPr>
+            <a:normAutofit/>
+          </a:bodyPr>
+          <a:lstStyle/>
+          <a:p>
+            <a:r>
+              <a:rPr lang="en-US" sz="2000" dirty="0" smtClean="0">
+                <a:solidFill>
+                  <a:schemeClr val="accent2">
+                    <a:lumMod val="75000"/>
+                  </a:schemeClr>
+                </a:solidFill>
+              </a:rPr>
+              <a:t>We will obtain FREE GitHub Accounts for use in class</a:t>
+            </a:r>
+          </a:p>
+          <a:p>
+            <a:endParaRPr lang="en-US" sz="2000" dirty="0">
+              <a:solidFill>
+                <a:schemeClr val="accent2">
+                  <a:lumMod val="75000"/>
+                </a:schemeClr>
+              </a:solidFill>
+            </a:endParaRPr>
+          </a:p>
+          <a:p>
+            <a:r>
+              <a:rPr lang="en-US" sz="2000" dirty="0" smtClean="0">
+                <a:solidFill>
+                  <a:schemeClr val="accent2">
+                    <a:lumMod val="75000"/>
+                  </a:schemeClr>
+                </a:solidFill>
+              </a:rPr>
+              <a:t>GitHub Pricing Plans for Enterprise</a:t>
             </a:r>
           </a:p>
           <a:p>
@@ -6976,7 +8046,7 @@
 </p:sld>
 </file>
 
-<file path=ppt/slides/slide7.xml><?xml version="1.0" encoding="utf-8"?>
+<file path=ppt/slides/slide8.xml><?xml version="1.0" encoding="utf-8"?>
 <p:sld xmlns:a="http://schemas.openxmlformats.org/drawingml/2006/main" xmlns:r="http://schemas.openxmlformats.org/officeDocument/2006/relationships" xmlns:p="http://schemas.openxmlformats.org/presentationml/2006/main">
   <p:cSld>
     <p:spTree>
@@ -7323,4 +8393,265 @@
     </a:ext>
   </a:extLst>
 </a:theme>
+</file>
+
+<file path=ppt/theme/theme2.xml><?xml version="1.0" encoding="utf-8"?>
+<a:theme xmlns:a="http://schemas.openxmlformats.org/drawingml/2006/main" name="Office Theme">
+  <a:themeElements>
+    <a:clrScheme name="Office">
+      <a:dk1>
+        <a:sysClr val="windowText" lastClr="000000"/>
+      </a:dk1>
+      <a:lt1>
+        <a:sysClr val="window" lastClr="FFFFFF"/>
+      </a:lt1>
+      <a:dk2>
+        <a:srgbClr val="44546A"/>
+      </a:dk2>
+      <a:lt2>
+        <a:srgbClr val="E7E6E6"/>
+      </a:lt2>
+      <a:accent1>
+        <a:srgbClr val="5B9BD5"/>
+      </a:accent1>
+      <a:accent2>
+        <a:srgbClr val="ED7D31"/>
+      </a:accent2>
+      <a:accent3>
+        <a:srgbClr val="A5A5A5"/>
+      </a:accent3>
+      <a:accent4>
+        <a:srgbClr val="FFC000"/>
+      </a:accent4>
+      <a:accent5>
+        <a:srgbClr val="4472C4"/>
+      </a:accent5>
+      <a:accent6>
+        <a:srgbClr val="70AD47"/>
+      </a:accent6>
+      <a:hlink>
+        <a:srgbClr val="0563C1"/>
+      </a:hlink>
+      <a:folHlink>
+        <a:srgbClr val="954F72"/>
+      </a:folHlink>
+    </a:clrScheme>
+    <a:fontScheme name="Office">
+      <a:majorFont>
+        <a:latin typeface="Calibri Light" panose="020F0302020204030204"/>
+        <a:ea typeface=""/>
+        <a:cs typeface=""/>
+        <a:font script="Jpan" typeface="游ゴシック Light"/>
+        <a:font script="Hang" typeface="맑은 고딕"/>
+        <a:font script="Hans" typeface="等线 Light"/>
+        <a:font script="Hant" typeface="新細明體"/>
+        <a:font script="Arab" typeface="Times New Roman"/>
+        <a:font script="Hebr" typeface="Times New Roman"/>
+        <a:font script="Thai" typeface="Angsana New"/>
+        <a:font script="Ethi" typeface="Nyala"/>
+        <a:font script="Beng" typeface="Vrinda"/>
+        <a:font script="Gujr" typeface="Shruti"/>
+        <a:font script="Khmr" typeface="MoolBoran"/>
+        <a:font script="Knda" typeface="Tunga"/>
+        <a:font script="Guru" typeface="Raavi"/>
+        <a:font script="Cans" typeface="Euphemia"/>
+        <a:font script="Cher" typeface="Plantagenet Cherokee"/>
+        <a:font script="Yiii" typeface="Microsoft Yi Baiti"/>
+        <a:font script="Tibt" typeface="Microsoft Himalaya"/>
+        <a:font script="Thaa" typeface="MV Boli"/>
+        <a:font script="Deva" typeface="Mangal"/>
+        <a:font script="Telu" typeface="Gautami"/>
+        <a:font script="Taml" typeface="Latha"/>
+        <a:font script="Syrc" typeface="Estrangelo Edessa"/>
+        <a:font script="Orya" typeface="Kalinga"/>
+        <a:font script="Mlym" typeface="Kartika"/>
+        <a:font script="Laoo" typeface="DokChampa"/>
+        <a:font script="Sinh" typeface="Iskoola Pota"/>
+        <a:font script="Mong" typeface="Mongolian Baiti"/>
+        <a:font script="Viet" typeface="Times New Roman"/>
+        <a:font script="Uigh" typeface="Microsoft Uighur"/>
+        <a:font script="Geor" typeface="Sylfaen"/>
+      </a:majorFont>
+      <a:minorFont>
+        <a:latin typeface="Calibri" panose="020F0502020204030204"/>
+        <a:ea typeface=""/>
+        <a:cs typeface=""/>
+        <a:font script="Jpan" typeface="游ゴシック"/>
+        <a:font script="Hang" typeface="맑은 고딕"/>
+        <a:font script="Hans" typeface="等线"/>
+        <a:font script="Hant" typeface="新細明體"/>
+        <a:font script="Arab" typeface="Arial"/>
+        <a:font script="Hebr" typeface="Arial"/>
+        <a:font script="Thai" typeface="Cordia New"/>
+        <a:font script="Ethi" typeface="Nyala"/>
+        <a:font script="Beng" typeface="Vrinda"/>
+        <a:font script="Gujr" typeface="Shruti"/>
+        <a:font script="Khmr" typeface="DaunPenh"/>
+        <a:font script="Knda" typeface="Tunga"/>
+        <a:font script="Guru" typeface="Raavi"/>
+        <a:font script="Cans" typeface="Euphemia"/>
+        <a:font script="Cher" typeface="Plantagenet Cherokee"/>
+        <a:font script="Yiii" typeface="Microsoft Yi Baiti"/>
+        <a:font script="Tibt" typeface="Microsoft Himalaya"/>
+        <a:font script="Thaa" typeface="MV Boli"/>
+        <a:font script="Deva" typeface="Mangal"/>
+        <a:font script="Telu" typeface="Gautami"/>
+        <a:font script="Taml" typeface="Latha"/>
+        <a:font script="Syrc" typeface="Estrangelo Edessa"/>
+        <a:font script="Orya" typeface="Kalinga"/>
+        <a:font script="Mlym" typeface="Kartika"/>
+        <a:font script="Laoo" typeface="DokChampa"/>
+        <a:font script="Sinh" typeface="Iskoola Pota"/>
+        <a:font script="Mong" typeface="Mongolian Baiti"/>
+        <a:font script="Viet" typeface="Arial"/>
+        <a:font script="Uigh" typeface="Microsoft Uighur"/>
+        <a:font script="Geor" typeface="Sylfaen"/>
+      </a:minorFont>
+    </a:fontScheme>
+    <a:fmtScheme name="Office">
+      <a:fillStyleLst>
+        <a:solidFill>
+          <a:schemeClr val="phClr"/>
+        </a:solidFill>
+        <a:gradFill rotWithShape="1">
+          <a:gsLst>
+            <a:gs pos="0">
+              <a:schemeClr val="phClr">
+                <a:lumMod val="110000"/>
+                <a:satMod val="105000"/>
+                <a:tint val="67000"/>
+              </a:schemeClr>
+            </a:gs>
+            <a:gs pos="50000">
+              <a:schemeClr val="phClr">
+                <a:lumMod val="105000"/>
+                <a:satMod val="103000"/>
+                <a:tint val="73000"/>
+              </a:schemeClr>
+            </a:gs>
+            <a:gs pos="100000">
+              <a:schemeClr val="phClr">
+                <a:lumMod val="105000"/>
+                <a:satMod val="109000"/>
+                <a:tint val="81000"/>
+              </a:schemeClr>
+            </a:gs>
+          </a:gsLst>
+          <a:lin ang="5400000" scaled="0"/>
+        </a:gradFill>
+        <a:gradFill rotWithShape="1">
+          <a:gsLst>
+            <a:gs pos="0">
+              <a:schemeClr val="phClr">
+                <a:satMod val="103000"/>
+                <a:lumMod val="102000"/>
+                <a:tint val="94000"/>
+              </a:schemeClr>
+            </a:gs>
+            <a:gs pos="50000">
+              <a:schemeClr val="phClr">
+                <a:satMod val="110000"/>
+                <a:lumMod val="100000"/>
+                <a:shade val="100000"/>
+              </a:schemeClr>
+            </a:gs>
+            <a:gs pos="100000">
+              <a:schemeClr val="phClr">
+                <a:lumMod val="99000"/>
+                <a:satMod val="120000"/>
+                <a:shade val="78000"/>
+              </a:schemeClr>
+            </a:gs>
+          </a:gsLst>
+          <a:lin ang="5400000" scaled="0"/>
+        </a:gradFill>
+      </a:fillStyleLst>
+      <a:lnStyleLst>
+        <a:ln w="6350" cap="flat" cmpd="sng" algn="ctr">
+          <a:solidFill>
+            <a:schemeClr val="phClr"/>
+          </a:solidFill>
+          <a:prstDash val="solid"/>
+          <a:miter lim="800000"/>
+        </a:ln>
+        <a:ln w="12700" cap="flat" cmpd="sng" algn="ctr">
+          <a:solidFill>
+            <a:schemeClr val="phClr"/>
+          </a:solidFill>
+          <a:prstDash val="solid"/>
+          <a:miter lim="800000"/>
+        </a:ln>
+        <a:ln w="19050" cap="flat" cmpd="sng" algn="ctr">
+          <a:solidFill>
+            <a:schemeClr val="phClr"/>
+          </a:solidFill>
+          <a:prstDash val="solid"/>
+          <a:miter lim="800000"/>
+        </a:ln>
+      </a:lnStyleLst>
+      <a:effectStyleLst>
+        <a:effectStyle>
+          <a:effectLst/>
+        </a:effectStyle>
+        <a:effectStyle>
+          <a:effectLst/>
+        </a:effectStyle>
+        <a:effectStyle>
+          <a:effectLst>
+            <a:outerShdw blurRad="57150" dist="19050" dir="5400000" algn="ctr" rotWithShape="0">
+              <a:srgbClr val="000000">
+                <a:alpha val="63000"/>
+              </a:srgbClr>
+            </a:outerShdw>
+          </a:effectLst>
+        </a:effectStyle>
+      </a:effectStyleLst>
+      <a:bgFillStyleLst>
+        <a:solidFill>
+          <a:schemeClr val="phClr"/>
+        </a:solidFill>
+        <a:solidFill>
+          <a:schemeClr val="phClr">
+            <a:tint val="95000"/>
+            <a:satMod val="170000"/>
+          </a:schemeClr>
+        </a:solidFill>
+        <a:gradFill rotWithShape="1">
+          <a:gsLst>
+            <a:gs pos="0">
+              <a:schemeClr val="phClr">
+                <a:tint val="93000"/>
+                <a:satMod val="150000"/>
+                <a:shade val="98000"/>
+                <a:lumMod val="102000"/>
+              </a:schemeClr>
+            </a:gs>
+            <a:gs pos="50000">
+              <a:schemeClr val="phClr">
+                <a:tint val="98000"/>
+                <a:satMod val="130000"/>
+                <a:shade val="90000"/>
+                <a:lumMod val="103000"/>
+              </a:schemeClr>
+            </a:gs>
+            <a:gs pos="100000">
+              <a:schemeClr val="phClr">
+                <a:shade val="63000"/>
+                <a:satMod val="120000"/>
+              </a:schemeClr>
+            </a:gs>
+          </a:gsLst>
+          <a:lin ang="5400000" scaled="0"/>
+        </a:gradFill>
+      </a:bgFillStyleLst>
+    </a:fmtScheme>
+  </a:themeElements>
+  <a:objectDefaults/>
+  <a:extraClrSchemeLst/>
+  <a:extLst>
+    <a:ext uri="{05A4C25C-085E-4340-85A3-A5531E510DB2}">
+      <thm15:themeFamily xmlns:thm15="http://schemas.microsoft.com/office/thememl/2012/main" name="Office Theme" id="{62F939B6-93AF-4DB8-9C6B-D6C7DFDC589F}" vid="{4A3C46E8-61CC-4603-A589-7422A47A8E4A}"/>
+    </a:ext>
+  </a:extLst>
+</a:theme>
 </file>
--- a/ppt/GitHubDev.pptx
+++ b/ppt/GitHubDev.pptx
@@ -4,18 +4,14 @@
   <p:sldMasterIdLst>
     <p:sldMasterId id="2147483648" r:id="rId1"/>
   </p:sldMasterIdLst>
-  <p:notesMasterIdLst>
-    <p:notesMasterId r:id="rId10"/>
-  </p:notesMasterIdLst>
   <p:sldIdLst>
-    <p:sldId id="263" r:id="rId2"/>
-    <p:sldId id="256" r:id="rId3"/>
-    <p:sldId id="257" r:id="rId4"/>
-    <p:sldId id="258" r:id="rId5"/>
-    <p:sldId id="259" r:id="rId6"/>
-    <p:sldId id="262" r:id="rId7"/>
-    <p:sldId id="260" r:id="rId8"/>
-    <p:sldId id="261" r:id="rId9"/>
+    <p:sldId id="256" r:id="rId2"/>
+    <p:sldId id="257" r:id="rId3"/>
+    <p:sldId id="258" r:id="rId4"/>
+    <p:sldId id="259" r:id="rId5"/>
+    <p:sldId id="262" r:id="rId6"/>
+    <p:sldId id="260" r:id="rId7"/>
+    <p:sldId id="261" r:id="rId8"/>
   </p:sldIdLst>
   <p:sldSz cx="12192000" cy="6858000"/>
   <p:notesSz cx="6858000" cy="9144000"/>
@@ -120,446 +116,6 @@
     </p:ext>
   </p:extLst>
 </p:presentation>
-</file>
-
-<file path=ppt/notesMasters/notesMaster1.xml><?xml version="1.0" encoding="utf-8"?>
-<p:notesMaster xmlns:a="http://schemas.openxmlformats.org/drawingml/2006/main" xmlns:r="http://schemas.openxmlformats.org/officeDocument/2006/relationships" xmlns:p="http://schemas.openxmlformats.org/presentationml/2006/main">
-  <p:cSld>
-    <p:bg>
-      <p:bgRef idx="1001">
-        <a:schemeClr val="bg1"/>
-      </p:bgRef>
-    </p:bg>
-    <p:spTree>
-      <p:nvGrpSpPr>
-        <p:cNvPr id="1" name=""/>
-        <p:cNvGrpSpPr/>
-        <p:nvPr/>
-      </p:nvGrpSpPr>
-      <p:grpSpPr>
-        <a:xfrm>
-          <a:off x="0" y="0"/>
-          <a:ext cx="0" cy="0"/>
-          <a:chOff x="0" y="0"/>
-          <a:chExt cx="0" cy="0"/>
-        </a:xfrm>
-      </p:grpSpPr>
-      <p:sp>
-        <p:nvSpPr>
-          <p:cNvPr id="2" name="Header Placeholder 1"/>
-          <p:cNvSpPr>
-            <a:spLocks noGrp="1"/>
-          </p:cNvSpPr>
-          <p:nvPr>
-            <p:ph type="hdr" sz="quarter"/>
-          </p:nvPr>
-        </p:nvSpPr>
-        <p:spPr>
-          <a:xfrm>
-            <a:off x="0" y="0"/>
-            <a:ext cx="2971800" cy="458788"/>
-          </a:xfrm>
-          <a:prstGeom prst="rect">
-            <a:avLst/>
-          </a:prstGeom>
-        </p:spPr>
-        <p:txBody>
-          <a:bodyPr vert="horz" lIns="91440" tIns="45720" rIns="91440" bIns="45720" rtlCol="0"/>
-          <a:lstStyle>
-            <a:lvl1pPr algn="l">
-              <a:defRPr sz="1200"/>
-            </a:lvl1pPr>
-          </a:lstStyle>
-          <a:p>
-            <a:endParaRPr lang="en-US"/>
-          </a:p>
-        </p:txBody>
-      </p:sp>
-      <p:sp>
-        <p:nvSpPr>
-          <p:cNvPr id="3" name="Date Placeholder 2"/>
-          <p:cNvSpPr>
-            <a:spLocks noGrp="1"/>
-          </p:cNvSpPr>
-          <p:nvPr>
-            <p:ph type="dt" idx="1"/>
-          </p:nvPr>
-        </p:nvSpPr>
-        <p:spPr>
-          <a:xfrm>
-            <a:off x="3884613" y="0"/>
-            <a:ext cx="2971800" cy="458788"/>
-          </a:xfrm>
-          <a:prstGeom prst="rect">
-            <a:avLst/>
-          </a:prstGeom>
-        </p:spPr>
-        <p:txBody>
-          <a:bodyPr vert="horz" lIns="91440" tIns="45720" rIns="91440" bIns="45720" rtlCol="0"/>
-          <a:lstStyle>
-            <a:lvl1pPr algn="r">
-              <a:defRPr sz="1200"/>
-            </a:lvl1pPr>
-          </a:lstStyle>
-          <a:p>
-            <a:fld id="{EC01DE2E-A89A-42C1-B790-097D59F8D208}" type="datetimeFigureOut">
-              <a:rPr lang="en-US" smtClean="0"/>
-              <a:t>2/21/2020</a:t>
-            </a:fld>
-            <a:endParaRPr lang="en-US"/>
-          </a:p>
-        </p:txBody>
-      </p:sp>
-      <p:sp>
-        <p:nvSpPr>
-          <p:cNvPr id="4" name="Slide Image Placeholder 3"/>
-          <p:cNvSpPr>
-            <a:spLocks noGrp="1" noRot="1" noChangeAspect="1"/>
-          </p:cNvSpPr>
-          <p:nvPr>
-            <p:ph type="sldImg" idx="2"/>
-          </p:nvPr>
-        </p:nvSpPr>
-        <p:spPr>
-          <a:xfrm>
-            <a:off x="685800" y="1143000"/>
-            <a:ext cx="5486400" cy="3086100"/>
-          </a:xfrm>
-          <a:prstGeom prst="rect">
-            <a:avLst/>
-          </a:prstGeom>
-          <a:noFill/>
-          <a:ln w="12700">
-            <a:solidFill>
-              <a:prstClr val="black"/>
-            </a:solidFill>
-          </a:ln>
-        </p:spPr>
-        <p:txBody>
-          <a:bodyPr vert="horz" lIns="91440" tIns="45720" rIns="91440" bIns="45720" rtlCol="0" anchor="ctr"/>
-          <a:lstStyle/>
-          <a:p>
-            <a:endParaRPr lang="en-US"/>
-          </a:p>
-        </p:txBody>
-      </p:sp>
-      <p:sp>
-        <p:nvSpPr>
-          <p:cNvPr id="5" name="Notes Placeholder 4"/>
-          <p:cNvSpPr>
-            <a:spLocks noGrp="1"/>
-          </p:cNvSpPr>
-          <p:nvPr>
-            <p:ph type="body" sz="quarter" idx="3"/>
-          </p:nvPr>
-        </p:nvSpPr>
-        <p:spPr>
-          <a:xfrm>
-            <a:off x="685800" y="4400550"/>
-            <a:ext cx="5486400" cy="3600450"/>
-          </a:xfrm>
-          <a:prstGeom prst="rect">
-            <a:avLst/>
-          </a:prstGeom>
-        </p:spPr>
-        <p:txBody>
-          <a:bodyPr vert="horz" lIns="91440" tIns="45720" rIns="91440" bIns="45720" rtlCol="0"/>
-          <a:lstStyle/>
-          <a:p>
-            <a:pPr lvl="0"/>
-            <a:r>
-              <a:rPr lang="en-US" smtClean="0"/>
-              <a:t>Edit Master text styles</a:t>
-            </a:r>
-          </a:p>
-          <a:p>
-            <a:pPr lvl="1"/>
-            <a:r>
-              <a:rPr lang="en-US" smtClean="0"/>
-              <a:t>Second level</a:t>
-            </a:r>
-          </a:p>
-          <a:p>
-            <a:pPr lvl="2"/>
-            <a:r>
-              <a:rPr lang="en-US" smtClean="0"/>
-              <a:t>Third level</a:t>
-            </a:r>
-          </a:p>
-          <a:p>
-            <a:pPr lvl="3"/>
-            <a:r>
-              <a:rPr lang="en-US" smtClean="0"/>
-              <a:t>Fourth level</a:t>
-            </a:r>
-          </a:p>
-          <a:p>
-            <a:pPr lvl="4"/>
-            <a:r>
-              <a:rPr lang="en-US" smtClean="0"/>
-              <a:t>Fifth level</a:t>
-            </a:r>
-            <a:endParaRPr lang="en-US"/>
-          </a:p>
-        </p:txBody>
-      </p:sp>
-      <p:sp>
-        <p:nvSpPr>
-          <p:cNvPr id="6" name="Footer Placeholder 5"/>
-          <p:cNvSpPr>
-            <a:spLocks noGrp="1"/>
-          </p:cNvSpPr>
-          <p:nvPr>
-            <p:ph type="ftr" sz="quarter" idx="4"/>
-          </p:nvPr>
-        </p:nvSpPr>
-        <p:spPr>
-          <a:xfrm>
-            <a:off x="0" y="8685213"/>
-            <a:ext cx="2971800" cy="458787"/>
-          </a:xfrm>
-          <a:prstGeom prst="rect">
-            <a:avLst/>
-          </a:prstGeom>
-        </p:spPr>
-        <p:txBody>
-          <a:bodyPr vert="horz" lIns="91440" tIns="45720" rIns="91440" bIns="45720" rtlCol="0" anchor="b"/>
-          <a:lstStyle>
-            <a:lvl1pPr algn="l">
-              <a:defRPr sz="1200"/>
-            </a:lvl1pPr>
-          </a:lstStyle>
-          <a:p>
-            <a:endParaRPr lang="en-US"/>
-          </a:p>
-        </p:txBody>
-      </p:sp>
-      <p:sp>
-        <p:nvSpPr>
-          <p:cNvPr id="7" name="Slide Number Placeholder 6"/>
-          <p:cNvSpPr>
-            <a:spLocks noGrp="1"/>
-          </p:cNvSpPr>
-          <p:nvPr>
-            <p:ph type="sldNum" sz="quarter" idx="5"/>
-          </p:nvPr>
-        </p:nvSpPr>
-        <p:spPr>
-          <a:xfrm>
-            <a:off x="3884613" y="8685213"/>
-            <a:ext cx="2971800" cy="458787"/>
-          </a:xfrm>
-          <a:prstGeom prst="rect">
-            <a:avLst/>
-          </a:prstGeom>
-        </p:spPr>
-        <p:txBody>
-          <a:bodyPr vert="horz" lIns="91440" tIns="45720" rIns="91440" bIns="45720" rtlCol="0" anchor="b"/>
-          <a:lstStyle>
-            <a:lvl1pPr algn="r">
-              <a:defRPr sz="1200"/>
-            </a:lvl1pPr>
-          </a:lstStyle>
-          <a:p>
-            <a:fld id="{2849AF01-2AC9-4999-8975-654CE07642CF}" type="slidenum">
-              <a:rPr lang="en-US" smtClean="0"/>
-              <a:t>‹#›</a:t>
-            </a:fld>
-            <a:endParaRPr lang="en-US"/>
-          </a:p>
-        </p:txBody>
-      </p:sp>
-    </p:spTree>
-    <p:extLst>
-      <p:ext uri="{BB962C8B-B14F-4D97-AF65-F5344CB8AC3E}">
-        <p14:creationId xmlns:p14="http://schemas.microsoft.com/office/powerpoint/2010/main" val="4133278430"/>
-      </p:ext>
-    </p:extLst>
-  </p:cSld>
-  <p:clrMap bg1="lt1" tx1="dk1" bg2="lt2" tx2="dk2" accent1="accent1" accent2="accent2" accent3="accent3" accent4="accent4" accent5="accent5" accent6="accent6" hlink="hlink" folHlink="folHlink"/>
-  <p:notesStyle>
-    <a:lvl1pPr marL="0" algn="l" defTabSz="914400" rtl="0" eaLnBrk="1" latinLnBrk="0" hangingPunct="1">
-      <a:defRPr sz="1200" kern="1200">
-        <a:solidFill>
-          <a:schemeClr val="tx1"/>
-        </a:solidFill>
-        <a:latin typeface="+mn-lt"/>
-        <a:ea typeface="+mn-ea"/>
-        <a:cs typeface="+mn-cs"/>
-      </a:defRPr>
-    </a:lvl1pPr>
-    <a:lvl2pPr marL="457200" algn="l" defTabSz="914400" rtl="0" eaLnBrk="1" latinLnBrk="0" hangingPunct="1">
-      <a:defRPr sz="1200" kern="1200">
-        <a:solidFill>
-          <a:schemeClr val="tx1"/>
-        </a:solidFill>
-        <a:latin typeface="+mn-lt"/>
-        <a:ea typeface="+mn-ea"/>
-        <a:cs typeface="+mn-cs"/>
-      </a:defRPr>
-    </a:lvl2pPr>
-    <a:lvl3pPr marL="914400" algn="l" defTabSz="914400" rtl="0" eaLnBrk="1" latinLnBrk="0" hangingPunct="1">
-      <a:defRPr sz="1200" kern="1200">
-        <a:solidFill>
-          <a:schemeClr val="tx1"/>
-        </a:solidFill>
-        <a:latin typeface="+mn-lt"/>
-        <a:ea typeface="+mn-ea"/>
-        <a:cs typeface="+mn-cs"/>
-      </a:defRPr>
-    </a:lvl3pPr>
-    <a:lvl4pPr marL="1371600" algn="l" defTabSz="914400" rtl="0" eaLnBrk="1" latinLnBrk="0" hangingPunct="1">
-      <a:defRPr sz="1200" kern="1200">
-        <a:solidFill>
-          <a:schemeClr val="tx1"/>
-        </a:solidFill>
-        <a:latin typeface="+mn-lt"/>
-        <a:ea typeface="+mn-ea"/>
-        <a:cs typeface="+mn-cs"/>
-      </a:defRPr>
-    </a:lvl4pPr>
-    <a:lvl5pPr marL="1828800" algn="l" defTabSz="914400" rtl="0" eaLnBrk="1" latinLnBrk="0" hangingPunct="1">
-      <a:defRPr sz="1200" kern="1200">
-        <a:solidFill>
-          <a:schemeClr val="tx1"/>
-        </a:solidFill>
-        <a:latin typeface="+mn-lt"/>
-        <a:ea typeface="+mn-ea"/>
-        <a:cs typeface="+mn-cs"/>
-      </a:defRPr>
-    </a:lvl5pPr>
-    <a:lvl6pPr marL="2286000" algn="l" defTabSz="914400" rtl="0" eaLnBrk="1" latinLnBrk="0" hangingPunct="1">
-      <a:defRPr sz="1200" kern="1200">
-        <a:solidFill>
-          <a:schemeClr val="tx1"/>
-        </a:solidFill>
-        <a:latin typeface="+mn-lt"/>
-        <a:ea typeface="+mn-ea"/>
-        <a:cs typeface="+mn-cs"/>
-      </a:defRPr>
-    </a:lvl6pPr>
-    <a:lvl7pPr marL="2743200" algn="l" defTabSz="914400" rtl="0" eaLnBrk="1" latinLnBrk="0" hangingPunct="1">
-      <a:defRPr sz="1200" kern="1200">
-        <a:solidFill>
-          <a:schemeClr val="tx1"/>
-        </a:solidFill>
-        <a:latin typeface="+mn-lt"/>
-        <a:ea typeface="+mn-ea"/>
-        <a:cs typeface="+mn-cs"/>
-      </a:defRPr>
-    </a:lvl7pPr>
-    <a:lvl8pPr marL="3200400" algn="l" defTabSz="914400" rtl="0" eaLnBrk="1" latinLnBrk="0" hangingPunct="1">
-      <a:defRPr sz="1200" kern="1200">
-        <a:solidFill>
-          <a:schemeClr val="tx1"/>
-        </a:solidFill>
-        <a:latin typeface="+mn-lt"/>
-        <a:ea typeface="+mn-ea"/>
-        <a:cs typeface="+mn-cs"/>
-      </a:defRPr>
-    </a:lvl8pPr>
-    <a:lvl9pPr marL="3657600" algn="l" defTabSz="914400" rtl="0" eaLnBrk="1" latinLnBrk="0" hangingPunct="1">
-      <a:defRPr sz="1200" kern="1200">
-        <a:solidFill>
-          <a:schemeClr val="tx1"/>
-        </a:solidFill>
-        <a:latin typeface="+mn-lt"/>
-        <a:ea typeface="+mn-ea"/>
-        <a:cs typeface="+mn-cs"/>
-      </a:defRPr>
-    </a:lvl9pPr>
-  </p:notesStyle>
-</p:notesMaster>
-</file>
-
-<file path=ppt/notesSlides/notesSlide1.xml><?xml version="1.0" encoding="utf-8"?>
-<p:notes xmlns:a="http://schemas.openxmlformats.org/drawingml/2006/main" xmlns:r="http://schemas.openxmlformats.org/officeDocument/2006/relationships" xmlns:p="http://schemas.openxmlformats.org/presentationml/2006/main">
-  <p:cSld>
-    <p:spTree>
-      <p:nvGrpSpPr>
-        <p:cNvPr id="1" name=""/>
-        <p:cNvGrpSpPr/>
-        <p:nvPr/>
-      </p:nvGrpSpPr>
-      <p:grpSpPr>
-        <a:xfrm>
-          <a:off x="0" y="0"/>
-          <a:ext cx="0" cy="0"/>
-          <a:chOff x="0" y="0"/>
-          <a:chExt cx="0" cy="0"/>
-        </a:xfrm>
-      </p:grpSpPr>
-      <p:sp>
-        <p:nvSpPr>
-          <p:cNvPr id="2" name="Slide Image Placeholder 1"/>
-          <p:cNvSpPr>
-            <a:spLocks noGrp="1" noRot="1" noChangeAspect="1"/>
-          </p:cNvSpPr>
-          <p:nvPr>
-            <p:ph type="sldImg"/>
-          </p:nvPr>
-        </p:nvSpPr>
-        <p:spPr/>
-      </p:sp>
-      <p:sp>
-        <p:nvSpPr>
-          <p:cNvPr id="3" name="Notes Placeholder 2"/>
-          <p:cNvSpPr>
-            <a:spLocks noGrp="1"/>
-          </p:cNvSpPr>
-          <p:nvPr>
-            <p:ph type="body" idx="1"/>
-          </p:nvPr>
-        </p:nvSpPr>
-        <p:spPr/>
-        <p:txBody>
-          <a:bodyPr/>
-          <a:lstStyle/>
-          <a:p>
-            <a:endParaRPr lang="en-US" dirty="0"/>
-          </a:p>
-        </p:txBody>
-      </p:sp>
-      <p:sp>
-        <p:nvSpPr>
-          <p:cNvPr id="4" name="Slide Number Placeholder 3"/>
-          <p:cNvSpPr>
-            <a:spLocks noGrp="1"/>
-          </p:cNvSpPr>
-          <p:nvPr>
-            <p:ph type="sldNum" sz="quarter" idx="10"/>
-          </p:nvPr>
-        </p:nvSpPr>
-        <p:spPr/>
-        <p:txBody>
-          <a:bodyPr/>
-          <a:lstStyle/>
-          <a:p>
-            <a:pPr>
-              <a:defRPr/>
-            </a:pPr>
-            <a:fld id="{673C55C6-0635-4FFD-BEAC-5E6F89DDB24B}" type="slidenum">
-              <a:rPr lang="en-US" smtClean="0"/>
-              <a:pPr>
-                <a:defRPr/>
-              </a:pPr>
-              <a:t>1</a:t>
-            </a:fld>
-            <a:endParaRPr lang="en-US"/>
-          </a:p>
-        </p:txBody>
-      </p:sp>
-    </p:spTree>
-    <p:extLst>
-      <p:ext uri="{BB962C8B-B14F-4D97-AF65-F5344CB8AC3E}">
-        <p14:creationId xmlns:p14="http://schemas.microsoft.com/office/powerpoint/2010/main" val="1568891646"/>
-      </p:ext>
-    </p:extLst>
-  </p:cSld>
-  <p:clrMapOvr>
-    <a:masterClrMapping/>
-  </p:clrMapOvr>
-</p:notes>
 </file>
 
 <file path=ppt/slideLayouts/slideLayout1.xml><?xml version="1.0" encoding="utf-8"?>
@@ -1308,7 +864,7 @@
             <a:fld id="{B61BEF0D-F0BB-DE4B-95CE-6DB70DBA9567}" type="datetimeFigureOut">
               <a:rPr lang="en-US" dirty="0"/>
               <a:pPr/>
-              <a:t>2/21/2020</a:t>
+              <a:t>12/21/2018</a:t>
             </a:fld>
             <a:endParaRPr lang="en-US" dirty="0"/>
           </a:p>
@@ -1556,7 +1112,7 @@
             <a:fld id="{B61BEF0D-F0BB-DE4B-95CE-6DB70DBA9567}" type="datetimeFigureOut">
               <a:rPr lang="en-US" dirty="0"/>
               <a:pPr/>
-              <a:t>2/21/2020</a:t>
+              <a:t>12/21/2018</a:t>
             </a:fld>
             <a:endParaRPr lang="en-US" dirty="0"/>
           </a:p>
@@ -1867,7 +1423,7 @@
             <a:fld id="{B61BEF0D-F0BB-DE4B-95CE-6DB70DBA9567}" type="datetimeFigureOut">
               <a:rPr lang="en-US" dirty="0"/>
               <a:pPr/>
-              <a:t>2/21/2020</a:t>
+              <a:t>12/21/2018</a:t>
             </a:fld>
             <a:endParaRPr lang="en-US" dirty="0"/>
           </a:p>
@@ -2197,7 +1753,7 @@
             <a:fld id="{B61BEF0D-F0BB-DE4B-95CE-6DB70DBA9567}" type="datetimeFigureOut">
               <a:rPr lang="en-US" dirty="0"/>
               <a:pPr/>
-              <a:t>2/21/2020</a:t>
+              <a:t>12/21/2018</a:t>
             </a:fld>
             <a:endParaRPr lang="en-US" dirty="0"/>
           </a:p>
@@ -2508,7 +2064,7 @@
             <a:fld id="{B61BEF0D-F0BB-DE4B-95CE-6DB70DBA9567}" type="datetimeFigureOut">
               <a:rPr lang="en-US" dirty="0"/>
               <a:pPr/>
-              <a:t>2/21/2020</a:t>
+              <a:t>12/21/2018</a:t>
             </a:fld>
             <a:endParaRPr lang="en-US" dirty="0"/>
           </a:p>
@@ -2898,7 +2454,7 @@
             <a:fld id="{B61BEF0D-F0BB-DE4B-95CE-6DB70DBA9567}" type="datetimeFigureOut">
               <a:rPr lang="en-US" dirty="0"/>
               <a:pPr/>
-              <a:t>2/21/2020</a:t>
+              <a:t>12/21/2018</a:t>
             </a:fld>
             <a:endParaRPr lang="en-US" dirty="0"/>
           </a:p>
@@ -3064,7 +2620,7 @@
           <a:p>
             <a:fld id="{55C6B4A9-1611-4792-9094-5F34BCA07E0B}" type="datetimeFigureOut">
               <a:rPr lang="en-US" dirty="0"/>
-              <a:t>2/21/2020</a:t>
+              <a:t>12/21/2018</a:t>
             </a:fld>
             <a:endParaRPr lang="en-US" dirty="0"/>
           </a:p>
@@ -3240,7 +2796,7 @@
             <a:fld id="{B61BEF0D-F0BB-DE4B-95CE-6DB70DBA9567}" type="datetimeFigureOut">
               <a:rPr lang="en-US" dirty="0"/>
               <a:pPr/>
-              <a:t>2/21/2020</a:t>
+              <a:t>12/21/2018</a:t>
             </a:fld>
             <a:endParaRPr lang="en-US" dirty="0"/>
           </a:p>
@@ -3290,354 +2846,6 @@
         </p:txBody>
       </p:sp>
     </p:spTree>
-  </p:cSld>
-  <p:clrMapOvr>
-    <a:masterClrMapping/>
-  </p:clrMapOvr>
-</p:sldLayout>
-</file>
-
-<file path=ppt/slideLayouts/slideLayout17.xml><?xml version="1.0" encoding="utf-8"?>
-<p:sldLayout xmlns:a="http://schemas.openxmlformats.org/drawingml/2006/main" xmlns:r="http://schemas.openxmlformats.org/officeDocument/2006/relationships" xmlns:p="http://schemas.openxmlformats.org/presentationml/2006/main" showMasterSp="0" userDrawn="1">
-  <p:cSld name="1_Title Slide">
-    <p:spTree>
-      <p:nvGrpSpPr>
-        <p:cNvPr id="1" name=""/>
-        <p:cNvGrpSpPr/>
-        <p:nvPr/>
-      </p:nvGrpSpPr>
-      <p:grpSpPr>
-        <a:xfrm>
-          <a:off x="0" y="0"/>
-          <a:ext cx="0" cy="0"/>
-          <a:chOff x="0" y="0"/>
-          <a:chExt cx="0" cy="0"/>
-        </a:xfrm>
-      </p:grpSpPr>
-      <p:sp>
-        <p:nvSpPr>
-          <p:cNvPr id="5" name="Freeform 7"/>
-          <p:cNvSpPr>
-            <a:spLocks noChangeArrowheads="1"/>
-          </p:cNvSpPr>
-          <p:nvPr/>
-        </p:nvSpPr>
-        <p:spPr bwMode="auto">
-          <a:xfrm>
-            <a:off x="812800" y="457200"/>
-            <a:ext cx="10566400" cy="914400"/>
-          </a:xfrm>
-          <a:custGeom>
-            <a:avLst/>
-            <a:gdLst>
-              <a:gd name="T0" fmla="*/ 0 w 1000"/>
-              <a:gd name="T1" fmla="*/ 836127360 h 1000"/>
-              <a:gd name="T2" fmla="*/ 0 w 1000"/>
-              <a:gd name="T3" fmla="*/ 0 h 1000"/>
-              <a:gd name="T4" fmla="*/ 2147483646 w 1000"/>
-              <a:gd name="T5" fmla="*/ 0 h 1000"/>
-              <a:gd name="T6" fmla="*/ 0 60000 65536"/>
-              <a:gd name="T7" fmla="*/ 0 60000 65536"/>
-              <a:gd name="T8" fmla="*/ 0 60000 65536"/>
-            </a:gdLst>
-            <a:ahLst/>
-            <a:cxnLst>
-              <a:cxn ang="T6">
-                <a:pos x="T0" y="T1"/>
-              </a:cxn>
-              <a:cxn ang="T7">
-                <a:pos x="T2" y="T3"/>
-              </a:cxn>
-              <a:cxn ang="T8">
-                <a:pos x="T4" y="T5"/>
-              </a:cxn>
-            </a:cxnLst>
-            <a:rect l="0" t="0" r="r" b="b"/>
-            <a:pathLst>
-              <a:path w="1000" h="1000">
-                <a:moveTo>
-                  <a:pt x="0" y="1000"/>
-                </a:moveTo>
-                <a:lnTo>
-                  <a:pt x="0" y="0"/>
-                </a:lnTo>
-                <a:lnTo>
-                  <a:pt x="1000" y="0"/>
-                </a:lnTo>
-              </a:path>
-            </a:pathLst>
-          </a:custGeom>
-          <a:noFill/>
-          <a:ln w="25400" cap="flat" cmpd="sng">
-            <a:solidFill>
-              <a:schemeClr val="accent1"/>
-            </a:solidFill>
-            <a:prstDash val="solid"/>
-            <a:miter lim="800000"/>
-            <a:headEnd/>
-            <a:tailEnd/>
-          </a:ln>
-          <a:extLst>
-            <a:ext uri="{909E8E84-426E-40DD-AFC4-6F175D3DCCD1}">
-              <a14:hiddenFill xmlns:a14="http://schemas.microsoft.com/office/drawing/2010/main">
-                <a:solidFill>
-                  <a:srgbClr val="FFFFFF"/>
-                </a:solidFill>
-              </a14:hiddenFill>
-            </a:ext>
-          </a:extLst>
-        </p:spPr>
-        <p:txBody>
-          <a:bodyPr/>
-          <a:lstStyle/>
-          <a:p>
-            <a:endParaRPr lang="en-US" sz="1800"/>
-          </a:p>
-        </p:txBody>
-      </p:sp>
-      <p:sp>
-        <p:nvSpPr>
-          <p:cNvPr id="6" name="Line 8"/>
-          <p:cNvSpPr>
-            <a:spLocks noChangeShapeType="1"/>
-          </p:cNvSpPr>
-          <p:nvPr/>
-        </p:nvSpPr>
-        <p:spPr bwMode="auto">
-          <a:xfrm flipV="1">
-            <a:off x="812801" y="5562600"/>
-            <a:ext cx="10511368" cy="46038"/>
-          </a:xfrm>
-          <a:prstGeom prst="line">
-            <a:avLst/>
-          </a:prstGeom>
-          <a:noFill/>
-          <a:ln w="19050">
-            <a:solidFill>
-              <a:schemeClr val="accent1"/>
-            </a:solidFill>
-            <a:round/>
-            <a:headEnd/>
-            <a:tailEnd/>
-          </a:ln>
-          <a:extLst>
-            <a:ext uri="{909E8E84-426E-40DD-AFC4-6F175D3DCCD1}">
-              <a14:hiddenFill xmlns:a14="http://schemas.microsoft.com/office/drawing/2010/main">
-                <a:noFill/>
-              </a14:hiddenFill>
-            </a:ext>
-          </a:extLst>
-        </p:spPr>
-        <p:txBody>
-          <a:bodyPr/>
-          <a:lstStyle/>
-          <a:p>
-            <a:endParaRPr lang="en-US" sz="1800"/>
-          </a:p>
-        </p:txBody>
-      </p:sp>
-      <p:pic>
-        <p:nvPicPr>
-          <p:cNvPr id="7" name="Picture 11" descr="onlc_logo_small.jpg"/>
-          <p:cNvPicPr>
-            <a:picLocks noChangeAspect="1"/>
-          </p:cNvPicPr>
-          <p:nvPr userDrawn="1"/>
-        </p:nvPicPr>
-        <p:blipFill>
-          <a:blip r:embed="rId2">
-            <a:extLst>
-              <a:ext uri="{28A0092B-C50C-407E-A947-70E740481C1C}">
-                <a14:useLocalDpi xmlns:a14="http://schemas.microsoft.com/office/drawing/2010/main" val="0"/>
-              </a:ext>
-            </a:extLst>
-          </a:blip>
-          <a:srcRect/>
-          <a:stretch>
-            <a:fillRect/>
-          </a:stretch>
-        </p:blipFill>
-        <p:spPr bwMode="auto">
-          <a:xfrm>
-            <a:off x="8631044" y="5608638"/>
-            <a:ext cx="2875156" cy="1173162"/>
-          </a:xfrm>
-          <a:prstGeom prst="rect">
-            <a:avLst/>
-          </a:prstGeom>
-          <a:noFill/>
-          <a:ln>
-            <a:noFill/>
-          </a:ln>
-          <a:extLst>
-            <a:ext uri="{909E8E84-426E-40DD-AFC4-6F175D3DCCD1}">
-              <a14:hiddenFill xmlns:a14="http://schemas.microsoft.com/office/drawing/2010/main">
-                <a:solidFill>
-                  <a:srgbClr val="FFFFFF"/>
-                </a:solidFill>
-              </a14:hiddenFill>
-            </a:ext>
-            <a:ext uri="{91240B29-F687-4F45-9708-019B960494DF}">
-              <a14:hiddenLine xmlns:a14="http://schemas.microsoft.com/office/drawing/2010/main" w="9525">
-                <a:solidFill>
-                  <a:srgbClr val="000000"/>
-                </a:solidFill>
-                <a:miter lim="800000"/>
-                <a:headEnd/>
-                <a:tailEnd/>
-              </a14:hiddenLine>
-            </a:ext>
-          </a:extLst>
-        </p:spPr>
-      </p:pic>
-      <p:sp>
-        <p:nvSpPr>
-          <p:cNvPr id="5122" name="Rectangle 2"/>
-          <p:cNvSpPr>
-            <a:spLocks noGrp="1" noChangeArrowheads="1"/>
-          </p:cNvSpPr>
-          <p:nvPr>
-            <p:ph type="ctrTitle"/>
-          </p:nvPr>
-        </p:nvSpPr>
-        <p:spPr>
-          <a:xfrm>
-            <a:off x="812801" y="457200"/>
-            <a:ext cx="10164233" cy="685800"/>
-          </a:xfrm>
-        </p:spPr>
-        <p:txBody>
-          <a:bodyPr/>
-          <a:lstStyle>
-            <a:lvl1pPr>
-              <a:defRPr sz="4000" b="0"/>
-            </a:lvl1pPr>
-          </a:lstStyle>
-          <a:p>
-            <a:r>
-              <a:rPr lang="en-US" altLang="en-US" dirty="0"/>
-              <a:t>Click to edit Master title style</a:t>
-            </a:r>
-          </a:p>
-        </p:txBody>
-      </p:sp>
-      <p:sp>
-        <p:nvSpPr>
-          <p:cNvPr id="5123" name="Rectangle 3"/>
-          <p:cNvSpPr>
-            <a:spLocks noGrp="1" noChangeArrowheads="1"/>
-          </p:cNvSpPr>
-          <p:nvPr>
-            <p:ph type="subTitle" idx="1"/>
-          </p:nvPr>
-        </p:nvSpPr>
-        <p:spPr>
-          <a:xfrm>
-            <a:off x="812800" y="2286000"/>
-            <a:ext cx="8737600" cy="3048000"/>
-          </a:xfrm>
-          <a:prstGeom prst="rect">
-            <a:avLst/>
-          </a:prstGeom>
-        </p:spPr>
-        <p:txBody>
-          <a:bodyPr/>
-          <a:lstStyle>
-            <a:lvl1pPr marL="0" indent="0">
-              <a:buFontTx/>
-              <a:buNone/>
-              <a:defRPr sz="2400" b="0"/>
-            </a:lvl1pPr>
-          </a:lstStyle>
-          <a:p>
-            <a:r>
-              <a:rPr lang="en-US" altLang="en-US" dirty="0"/>
-              <a:t>Click to edit Master subtitle style</a:t>
-            </a:r>
-          </a:p>
-        </p:txBody>
-      </p:sp>
-      <p:sp>
-        <p:nvSpPr>
-          <p:cNvPr id="12" name="Text Placeholder 11"/>
-          <p:cNvSpPr>
-            <a:spLocks noGrp="1"/>
-          </p:cNvSpPr>
-          <p:nvPr>
-            <p:ph type="body" sz="quarter" idx="10"/>
-          </p:nvPr>
-        </p:nvSpPr>
-        <p:spPr>
-          <a:xfrm>
-            <a:off x="812800" y="1143000"/>
-            <a:ext cx="10160000" cy="1066800"/>
-          </a:xfrm>
-          <a:prstGeom prst="rect">
-            <a:avLst/>
-          </a:prstGeom>
-        </p:spPr>
-        <p:txBody>
-          <a:bodyPr/>
-          <a:lstStyle>
-            <a:lvl1pPr algn="l">
-              <a:buNone/>
-              <a:defRPr sz="2800"/>
-            </a:lvl1pPr>
-          </a:lstStyle>
-          <a:p>
-            <a:pPr lvl="0"/>
-            <a:r>
-              <a:rPr lang="en-US" dirty="0"/>
-              <a:t>Click to edit Master text styles</a:t>
-            </a:r>
-          </a:p>
-        </p:txBody>
-      </p:sp>
-      <p:sp>
-        <p:nvSpPr>
-          <p:cNvPr id="9" name="Rectangle 5"/>
-          <p:cNvSpPr>
-            <a:spLocks noGrp="1" noChangeArrowheads="1"/>
-          </p:cNvSpPr>
-          <p:nvPr>
-            <p:ph type="ftr" sz="quarter" idx="12"/>
-          </p:nvPr>
-        </p:nvSpPr>
-        <p:spPr>
-          <a:xfrm>
-            <a:off x="4165600" y="6243638"/>
-            <a:ext cx="3860800" cy="457200"/>
-          </a:xfrm>
-        </p:spPr>
-        <p:txBody>
-          <a:bodyPr/>
-          <a:lstStyle>
-            <a:lvl1pPr algn="ctr" fontAlgn="auto">
-              <a:spcBef>
-                <a:spcPts val="0"/>
-              </a:spcBef>
-              <a:spcAft>
-                <a:spcPts val="0"/>
-              </a:spcAft>
-              <a:defRPr>
-                <a:latin typeface="Verdana" panose="020B0604030504040204" pitchFamily="34" charset="0"/>
-              </a:defRPr>
-            </a:lvl1pPr>
-          </a:lstStyle>
-          <a:p>
-            <a:pPr>
-              <a:defRPr/>
-            </a:pPr>
-            <a:endParaRPr lang="en-US" altLang="en-US"/>
-          </a:p>
-        </p:txBody>
-      </p:sp>
-    </p:spTree>
-    <p:extLst>
-      <p:ext uri="{BB962C8B-B14F-4D97-AF65-F5344CB8AC3E}">
-        <p14:creationId xmlns:p14="http://schemas.microsoft.com/office/powerpoint/2010/main" val="1575560077"/>
-      </p:ext>
-    </p:extLst>
   </p:cSld>
   <p:clrMapOvr>
     <a:masterClrMapping/>
@@ -3754,7 +2962,7 @@
           <a:p>
             <a:fld id="{42A54C80-263E-416B-A8E0-580EDEADCBDC}" type="datetimeFigureOut">
               <a:rPr lang="en-US" dirty="0"/>
-              <a:t>2/21/2020</a:t>
+              <a:t>12/21/2018</a:t>
             </a:fld>
             <a:endParaRPr lang="en-US" dirty="0"/>
           </a:p>
@@ -3997,7 +3205,7 @@
             <a:fld id="{B61BEF0D-F0BB-DE4B-95CE-6DB70DBA9567}" type="datetimeFigureOut">
               <a:rPr lang="en-US" dirty="0"/>
               <a:pPr/>
-              <a:t>2/21/2020</a:t>
+              <a:t>12/21/2018</a:t>
             </a:fld>
             <a:endParaRPr lang="en-US" dirty="0"/>
           </a:p>
@@ -4225,7 +3433,7 @@
           <a:p>
             <a:fld id="{42A54C80-263E-416B-A8E0-580EDEADCBDC}" type="datetimeFigureOut">
               <a:rPr lang="en-US" dirty="0"/>
-              <a:t>2/21/2020</a:t>
+              <a:t>12/21/2018</a:t>
             </a:fld>
             <a:endParaRPr lang="en-US" dirty="0"/>
           </a:p>
@@ -4595,7 +3803,7 @@
             <a:fld id="{B61BEF0D-F0BB-DE4B-95CE-6DB70DBA9567}" type="datetimeFigureOut">
               <a:rPr lang="en-US" dirty="0"/>
               <a:pPr/>
-              <a:t>2/21/2020</a:t>
+              <a:t>12/21/2018</a:t>
             </a:fld>
             <a:endParaRPr lang="en-US" dirty="0"/>
           </a:p>
@@ -4715,7 +3923,7 @@
             <a:fld id="{B61BEF0D-F0BB-DE4B-95CE-6DB70DBA9567}" type="datetimeFigureOut">
               <a:rPr lang="en-US" dirty="0"/>
               <a:pPr/>
-              <a:t>2/21/2020</a:t>
+              <a:t>12/21/2018</a:t>
             </a:fld>
             <a:endParaRPr lang="en-US" dirty="0"/>
           </a:p>
@@ -4807,7 +4015,7 @@
             <a:fld id="{B61BEF0D-F0BB-DE4B-95CE-6DB70DBA9567}" type="datetimeFigureOut">
               <a:rPr lang="en-US" dirty="0"/>
               <a:pPr/>
-              <a:t>2/21/2020</a:t>
+              <a:t>12/21/2018</a:t>
             </a:fld>
             <a:endParaRPr lang="en-US" dirty="0"/>
           </a:p>
@@ -5058,7 +4266,7 @@
           <a:p>
             <a:fld id="{42A54C80-263E-416B-A8E0-580EDEADCBDC}" type="datetimeFigureOut">
               <a:rPr lang="en-US" dirty="0"/>
-              <a:t>2/21/2020</a:t>
+              <a:t>12/21/2018</a:t>
             </a:fld>
             <a:endParaRPr lang="en-US" dirty="0"/>
           </a:p>
@@ -5360,7 +4568,7 @@
             <a:fld id="{B61BEF0D-F0BB-DE4B-95CE-6DB70DBA9567}" type="datetimeFigureOut">
               <a:rPr lang="en-US" dirty="0"/>
               <a:pPr/>
-              <a:t>2/21/2020</a:t>
+              <a:t>12/21/2018</a:t>
             </a:fld>
             <a:endParaRPr lang="en-US" dirty="0"/>
           </a:p>
@@ -6058,7 +5266,7 @@
             <a:fld id="{B61BEF0D-F0BB-DE4B-95CE-6DB70DBA9567}" type="datetimeFigureOut">
               <a:rPr lang="en-US" dirty="0"/>
               <a:pPr/>
-              <a:t>2/21/2020</a:t>
+              <a:t>12/21/2018</a:t>
             </a:fld>
             <a:endParaRPr lang="en-US" dirty="0"/>
           </a:p>
@@ -6161,7 +5369,6 @@
     <p:sldLayoutId id="2147483664" r:id="rId14"/>
     <p:sldLayoutId id="2147483668" r:id="rId15"/>
     <p:sldLayoutId id="2147483659" r:id="rId16"/>
-    <p:sldLayoutId id="2147483669" r:id="rId17"/>
   </p:sldLayoutIdLst>
   <p:txStyles>
     <p:titleStyle>
@@ -6581,299 +5788,81 @@
       </p:grpSpPr>
       <p:sp>
         <p:nvSpPr>
-          <p:cNvPr id="6145" name="Rectangle 2"/>
-          <p:cNvSpPr>
-            <a:spLocks noGrp="1" noChangeArrowheads="1"/>
+          <p:cNvPr id="2" name="Title 1"/>
+          <p:cNvSpPr>
+            <a:spLocks noGrp="1"/>
           </p:cNvSpPr>
           <p:nvPr>
             <p:ph type="ctrTitle"/>
           </p:nvPr>
         </p:nvSpPr>
-        <p:spPr>
-          <a:xfrm>
-            <a:off x="2133601" y="501804"/>
-            <a:ext cx="7623175" cy="876300"/>
-          </a:xfrm>
-        </p:spPr>
-        <p:txBody>
-          <a:bodyPr>
-            <a:normAutofit/>
-          </a:bodyPr>
-          <a:lstStyle/>
-          <a:p>
-            <a:r>
-              <a:rPr lang="en-SE" altLang="en-US" sz="3600" b="1" dirty="0" smtClean="0"/>
+        <p:spPr/>
+        <p:txBody>
+          <a:bodyPr/>
+          <a:lstStyle/>
+          <a:p>
+            <a:r>
+              <a:rPr lang="en-US" dirty="0" smtClean="0">
+                <a:solidFill>
+                  <a:schemeClr val="accent2">
+                    <a:lumMod val="75000"/>
+                  </a:schemeClr>
+                </a:solidFill>
+              </a:rPr>
+              <a:t>Welcome to :</a:t>
+            </a:r>
+            <a:br>
+              <a:rPr lang="en-US" dirty="0" smtClean="0">
+                <a:solidFill>
+                  <a:schemeClr val="accent2">
+                    <a:lumMod val="75000"/>
+                  </a:schemeClr>
+                </a:solidFill>
+              </a:rPr>
+            </a:br>
+            <a:r>
+              <a:rPr lang="en-US" dirty="0" smtClean="0">
+                <a:solidFill>
+                  <a:schemeClr val="accent2">
+                    <a:lumMod val="75000"/>
+                  </a:schemeClr>
+                </a:solidFill>
+              </a:rPr>
               <a:t>GitHub for Developers</a:t>
             </a:r>
-            <a:endParaRPr lang="en-US" altLang="en-US" sz="2400" dirty="0"/>
-          </a:p>
-        </p:txBody>
-      </p:sp>
-      <p:sp>
-        <p:nvSpPr>
-          <p:cNvPr id="6146" name="Rectangle 3"/>
-          <p:cNvSpPr>
-            <a:spLocks noGrp="1" noChangeArrowheads="1"/>
+            <a:endParaRPr lang="en-US" dirty="0">
+              <a:solidFill>
+                <a:schemeClr val="accent2">
+                  <a:lumMod val="75000"/>
+                </a:schemeClr>
+              </a:solidFill>
+            </a:endParaRPr>
+          </a:p>
+        </p:txBody>
+      </p:sp>
+      <p:sp>
+        <p:nvSpPr>
+          <p:cNvPr id="3" name="Subtitle 2"/>
+          <p:cNvSpPr>
+            <a:spLocks noGrp="1"/>
           </p:cNvSpPr>
           <p:nvPr>
             <p:ph type="subTitle" idx="1"/>
           </p:nvPr>
         </p:nvSpPr>
-        <p:spPr>
-          <a:xfrm>
-            <a:off x="2427249" y="2280502"/>
-            <a:ext cx="6629400" cy="3200400"/>
-          </a:xfrm>
-        </p:spPr>
-        <p:txBody>
-          <a:bodyPr>
-            <a:normAutofit/>
-          </a:bodyPr>
-          <a:lstStyle/>
-          <a:p>
-            <a:pPr lvl="1">
-              <a:spcBef>
-                <a:spcPts val="2400"/>
-              </a:spcBef>
-            </a:pPr>
-            <a:r>
-              <a:rPr lang="en-US" altLang="en-US" sz="2000" dirty="0"/>
-              <a:t>Class begins at 10 Eastern time</a:t>
-            </a:r>
-          </a:p>
-          <a:p>
-            <a:pPr lvl="1">
-              <a:spcBef>
-                <a:spcPts val="1800"/>
-              </a:spcBef>
-            </a:pPr>
-            <a:r>
-              <a:rPr lang="en-US" altLang="en-US" sz="2000" dirty="0"/>
-              <a:t>For Class Audio Connection: </a:t>
-            </a:r>
-          </a:p>
-          <a:p>
-            <a:pPr lvl="2">
-              <a:spcBef>
-                <a:spcPts val="1200"/>
-              </a:spcBef>
-              <a:buFont typeface="Wingdings" charset="2"/>
-              <a:buChar char="§"/>
-            </a:pPr>
-            <a:r>
-              <a:rPr lang="en-US" altLang="en-US" sz="1600" dirty="0"/>
-              <a:t>ONLC Office Locations – </a:t>
-            </a:r>
-            <a:br>
-              <a:rPr lang="en-US" altLang="en-US" sz="1600" dirty="0"/>
-            </a:br>
-            <a:r>
-              <a:rPr lang="en-US" altLang="en-US" sz="1600" dirty="0"/>
-              <a:t>Audio is connected over Jabra™ speaker</a:t>
-            </a:r>
-          </a:p>
-          <a:p>
-            <a:pPr lvl="2">
-              <a:spcBef>
-                <a:spcPts val="1200"/>
-              </a:spcBef>
-              <a:buFont typeface="Wingdings" charset="2"/>
-              <a:buChar char="§"/>
-            </a:pPr>
-            <a:r>
-              <a:rPr lang="en-US" altLang="en-US" sz="1600" dirty="0"/>
-              <a:t>Home or Office – </a:t>
-            </a:r>
-            <a:br>
-              <a:rPr lang="en-US" altLang="en-US" sz="1600" dirty="0"/>
-            </a:br>
-            <a:r>
-              <a:rPr lang="en-US" altLang="en-US" sz="1600" dirty="0"/>
-              <a:t>Call: </a:t>
-            </a:r>
-            <a:r>
-              <a:rPr lang="en-US" altLang="en-US" sz="1600" dirty="0" smtClean="0"/>
-              <a:t>(312) 757-3117 </a:t>
-            </a:r>
-            <a:r>
-              <a:rPr lang="en-US" altLang="en-US" sz="1600" dirty="0"/>
-              <a:t>Access Code</a:t>
-            </a:r>
-            <a:r>
-              <a:rPr lang="en-US" altLang="en-US" sz="1600"/>
-              <a:t>: </a:t>
-            </a:r>
-            <a:r>
-              <a:rPr lang="en-US" altLang="en-US" sz="1600" smtClean="0"/>
-              <a:t>755 847 581 </a:t>
-            </a:r>
-            <a:r>
-              <a:rPr lang="en-US" altLang="en-US" sz="1600" dirty="0"/>
-              <a:t>#</a:t>
-            </a:r>
-            <a:br>
-              <a:rPr lang="en-US" altLang="en-US" sz="1600" dirty="0"/>
-            </a:br>
-            <a:r>
-              <a:rPr lang="en-US" altLang="en-US" sz="1600" dirty="0"/>
-              <a:t>Enter the audio pin shown in the GoToMeeting panel</a:t>
-            </a:r>
-          </a:p>
-          <a:p>
-            <a:pPr lvl="1">
-              <a:spcBef>
-                <a:spcPts val="1800"/>
-              </a:spcBef>
-            </a:pPr>
-            <a:r>
-              <a:rPr lang="en-US" altLang="en-US" sz="2000" dirty="0"/>
-              <a:t>If you need assistance, call 800-288-8221</a:t>
-            </a:r>
-          </a:p>
-        </p:txBody>
-      </p:sp>
-      <p:sp>
-        <p:nvSpPr>
-          <p:cNvPr id="6147" name="Text Placeholder 6"/>
-          <p:cNvSpPr>
-            <a:spLocks noGrp="1"/>
-          </p:cNvSpPr>
-          <p:nvPr>
-            <p:ph type="body" sz="quarter" idx="10"/>
-          </p:nvPr>
-        </p:nvSpPr>
-        <p:spPr>
-          <a:xfrm>
-            <a:off x="2667000" y="1425575"/>
-            <a:ext cx="4876800" cy="1066800"/>
-          </a:xfrm>
-        </p:spPr>
+        <p:spPr/>
         <p:txBody>
           <a:bodyPr/>
           <a:lstStyle/>
           <a:p>
-            <a:pPr eaLnBrk="1" hangingPunct="1"/>
-            <a:r>
-              <a:rPr lang="en-US" altLang="en-US" sz="2400" b="1"/>
-              <a:t>Instructor:  </a:t>
-            </a:r>
-            <a:r>
-              <a:rPr lang="en-US" altLang="en-US" sz="2400"/>
-              <a:t>Dan Costello</a:t>
-            </a:r>
-            <a:br>
-              <a:rPr lang="en-US" altLang="en-US" sz="2400"/>
-            </a:br>
-            <a:r>
-              <a:rPr lang="en-US" altLang="en-US" sz="2400" b="1"/>
-              <a:t>   Email:  </a:t>
-            </a:r>
-            <a:r>
-              <a:rPr lang="en-US" altLang="en-US" sz="2400">
-                <a:hlinkClick r:id="rId3"/>
-              </a:rPr>
-              <a:t>danc@onlc.com</a:t>
-            </a:r>
-            <a:endParaRPr lang="en-US" altLang="en-US" sz="2400"/>
-          </a:p>
-        </p:txBody>
-      </p:sp>
-      <p:pic>
-        <p:nvPicPr>
-          <p:cNvPr id="6148" name="Picture 9" descr="Jabra.gif"/>
-          <p:cNvPicPr>
-            <a:picLocks noChangeAspect="1"/>
-          </p:cNvPicPr>
-          <p:nvPr/>
-        </p:nvPicPr>
-        <p:blipFill>
-          <a:blip r:embed="rId4" cstate="print">
-            <a:extLst>
-              <a:ext uri="{28A0092B-C50C-407E-A947-70E740481C1C}">
-                <a14:useLocalDpi xmlns:a14="http://schemas.microsoft.com/office/drawing/2010/main" val="0"/>
-              </a:ext>
-            </a:extLst>
-          </a:blip>
-          <a:srcRect/>
-          <a:stretch>
-            <a:fillRect/>
-          </a:stretch>
-        </p:blipFill>
-        <p:spPr bwMode="auto">
-          <a:xfrm>
-            <a:off x="8839200" y="2933700"/>
-            <a:ext cx="1600200" cy="1485900"/>
-          </a:xfrm>
-          <a:prstGeom prst="rect">
-            <a:avLst/>
-          </a:prstGeom>
-          <a:noFill/>
-          <a:ln>
-            <a:noFill/>
-          </a:ln>
-          <a:extLst>
-            <a:ext uri="{909E8E84-426E-40DD-AFC4-6F175D3DCCD1}">
-              <a14:hiddenFill xmlns:a14="http://schemas.microsoft.com/office/drawing/2010/main">
-                <a:solidFill>
-                  <a:srgbClr val="FFFFFF"/>
-                </a:solidFill>
-              </a14:hiddenFill>
-            </a:ext>
-            <a:ext uri="{91240B29-F687-4F45-9708-019B960494DF}">
-              <a14:hiddenLine xmlns:a14="http://schemas.microsoft.com/office/drawing/2010/main" w="9525">
-                <a:solidFill>
-                  <a:srgbClr val="000000"/>
-                </a:solidFill>
-                <a:miter lim="800000"/>
-                <a:headEnd/>
-                <a:tailEnd/>
-              </a14:hiddenLine>
-            </a:ext>
-          </a:extLst>
-        </p:spPr>
-      </p:pic>
-      <p:cxnSp>
-        <p:nvCxnSpPr>
-          <p:cNvPr id="12" name="Straight Arrow Connector 11"/>
-          <p:cNvCxnSpPr/>
-          <p:nvPr/>
-        </p:nvCxnSpPr>
-        <p:spPr>
-          <a:xfrm>
-            <a:off x="7426712" y="3710103"/>
-            <a:ext cx="1336288" cy="0"/>
-          </a:xfrm>
-          <a:prstGeom prst="straightConnector1">
-            <a:avLst/>
-          </a:prstGeom>
-          <a:ln w="19050">
-            <a:solidFill>
-              <a:schemeClr val="tx2">
-                <a:lumMod val="75000"/>
-              </a:schemeClr>
-            </a:solidFill>
-            <a:tailEnd type="arrow"/>
-          </a:ln>
-        </p:spPr>
-        <p:style>
-          <a:lnRef idx="1">
-            <a:schemeClr val="accent1"/>
-          </a:lnRef>
-          <a:fillRef idx="0">
-            <a:schemeClr val="accent1"/>
-          </a:fillRef>
-          <a:effectRef idx="0">
-            <a:schemeClr val="accent1"/>
-          </a:effectRef>
-          <a:fontRef idx="minor">
-            <a:schemeClr val="tx1"/>
-          </a:fontRef>
-        </p:style>
-      </p:cxnSp>
+            <a:endParaRPr lang="en-US" dirty="0"/>
+          </a:p>
+        </p:txBody>
+      </p:sp>
     </p:spTree>
     <p:extLst>
       <p:ext uri="{BB962C8B-B14F-4D97-AF65-F5344CB8AC3E}">
-        <p14:creationId xmlns:p14="http://schemas.microsoft.com/office/powerpoint/2010/main" val="3754308577"/>
+        <p14:creationId xmlns:p14="http://schemas.microsoft.com/office/powerpoint/2010/main" val="3122656394"/>
       </p:ext>
     </p:extLst>
   </p:cSld>
@@ -6907,7 +5896,7 @@
             <a:spLocks noGrp="1"/>
           </p:cNvSpPr>
           <p:nvPr>
-            <p:ph type="ctrTitle"/>
+            <p:ph type="title"/>
           </p:nvPr>
         </p:nvSpPr>
         <p:spPr/>
@@ -6923,26 +5912,7 @@
                   </a:schemeClr>
                 </a:solidFill>
               </a:rPr>
-              <a:t>Welcome to :</a:t>
-            </a:r>
-            <a:br>
-              <a:rPr lang="en-US" dirty="0" smtClean="0">
-                <a:solidFill>
-                  <a:schemeClr val="accent2">
-                    <a:lumMod val="75000"/>
-                  </a:schemeClr>
-                </a:solidFill>
-              </a:rPr>
-            </a:br>
-            <a:r>
-              <a:rPr lang="en-US" dirty="0" smtClean="0">
-                <a:solidFill>
-                  <a:schemeClr val="accent2">
-                    <a:lumMod val="75000"/>
-                  </a:schemeClr>
-                </a:solidFill>
-              </a:rPr>
-              <a:t>GitHub for Developers</a:t>
+              <a:t>Introductions</a:t>
             </a:r>
             <a:endParaRPr lang="en-US" dirty="0">
               <a:solidFill>
@@ -6956,27 +5926,152 @@
       </p:sp>
       <p:sp>
         <p:nvSpPr>
-          <p:cNvPr id="3" name="Subtitle 2"/>
-          <p:cNvSpPr>
-            <a:spLocks noGrp="1"/>
-          </p:cNvSpPr>
-          <p:nvPr>
-            <p:ph type="subTitle" idx="1"/>
+          <p:cNvPr id="3" name="Content Placeholder 2"/>
+          <p:cNvSpPr>
+            <a:spLocks noGrp="1"/>
+          </p:cNvSpPr>
+          <p:nvPr>
+            <p:ph idx="1"/>
           </p:nvPr>
         </p:nvSpPr>
         <p:spPr/>
         <p:txBody>
-          <a:bodyPr/>
-          <a:lstStyle/>
-          <a:p>
-            <a:endParaRPr lang="en-US" dirty="0"/>
+          <a:bodyPr>
+            <a:normAutofit fontScale="85000" lnSpcReduction="20000"/>
+          </a:bodyPr>
+          <a:lstStyle/>
+          <a:p>
+            <a:r>
+              <a:rPr lang="en-US" sz="2000" dirty="0" smtClean="0">
+                <a:solidFill>
+                  <a:schemeClr val="accent2">
+                    <a:lumMod val="75000"/>
+                  </a:schemeClr>
+                </a:solidFill>
+              </a:rPr>
+              <a:t>Name, Company, Title, Job Responsibilities</a:t>
+            </a:r>
+          </a:p>
+          <a:p>
+            <a:endParaRPr lang="en-US" sz="2000" dirty="0">
+              <a:solidFill>
+                <a:schemeClr val="accent2">
+                  <a:lumMod val="75000"/>
+                </a:schemeClr>
+              </a:solidFill>
+            </a:endParaRPr>
+          </a:p>
+          <a:p>
+            <a:r>
+              <a:rPr lang="en-US" sz="2000" dirty="0" smtClean="0">
+                <a:solidFill>
+                  <a:schemeClr val="accent2">
+                    <a:lumMod val="75000"/>
+                  </a:schemeClr>
+                </a:solidFill>
+              </a:rPr>
+              <a:t>Do you currently use any repositories (code, data, files)</a:t>
+            </a:r>
+          </a:p>
+          <a:p>
+            <a:endParaRPr lang="en-US" sz="2000" dirty="0" smtClean="0">
+              <a:solidFill>
+                <a:schemeClr val="accent2">
+                  <a:lumMod val="75000"/>
+                </a:schemeClr>
+              </a:solidFill>
+            </a:endParaRPr>
+          </a:p>
+          <a:p>
+            <a:r>
+              <a:rPr lang="en-US" sz="2000" dirty="0" smtClean="0">
+                <a:solidFill>
+                  <a:schemeClr val="accent2">
+                    <a:lumMod val="75000"/>
+                  </a:schemeClr>
+                </a:solidFill>
+              </a:rPr>
+              <a:t>Have you ever worked with GitHub in any capacity?</a:t>
+            </a:r>
+          </a:p>
+          <a:p>
+            <a:endParaRPr lang="en-US" sz="2000" dirty="0" smtClean="0">
+              <a:solidFill>
+                <a:schemeClr val="accent2">
+                  <a:lumMod val="75000"/>
+                </a:schemeClr>
+              </a:solidFill>
+            </a:endParaRPr>
+          </a:p>
+          <a:p>
+            <a:r>
+              <a:rPr lang="en-US" sz="2000" dirty="0" smtClean="0">
+                <a:solidFill>
+                  <a:schemeClr val="accent2">
+                    <a:lumMod val="75000"/>
+                  </a:schemeClr>
+                </a:solidFill>
+              </a:rPr>
+              <a:t>Do you have a GitHub account (personal) yet?</a:t>
+            </a:r>
+          </a:p>
+          <a:p>
+            <a:endParaRPr lang="en-US" sz="2000" dirty="0">
+              <a:solidFill>
+                <a:schemeClr val="accent2">
+                  <a:lumMod val="75000"/>
+                </a:schemeClr>
+              </a:solidFill>
+            </a:endParaRPr>
+          </a:p>
+          <a:p>
+            <a:r>
+              <a:rPr lang="en-US" sz="2000" dirty="0" smtClean="0">
+                <a:solidFill>
+                  <a:schemeClr val="accent2">
+                    <a:lumMod val="75000"/>
+                  </a:schemeClr>
+                </a:solidFill>
+              </a:rPr>
+              <a:t>What do you hope to take away from this class?</a:t>
+            </a:r>
+          </a:p>
+          <a:p>
+            <a:endParaRPr lang="en-US" sz="2000" dirty="0">
+              <a:solidFill>
+                <a:schemeClr val="accent2">
+                  <a:lumMod val="75000"/>
+                </a:schemeClr>
+              </a:solidFill>
+            </a:endParaRPr>
+          </a:p>
+          <a:p>
+            <a:r>
+              <a:rPr lang="en-US" sz="2000" dirty="0" smtClean="0">
+                <a:solidFill>
+                  <a:schemeClr val="accent2">
+                    <a:lumMod val="75000"/>
+                  </a:schemeClr>
+                </a:solidFill>
+              </a:rPr>
+              <a:t>Did you receive the book for class today?</a:t>
+            </a:r>
+          </a:p>
+          <a:p>
+            <a:endParaRPr lang="en-US" sz="2000" dirty="0" smtClean="0">
+              <a:solidFill>
+                <a:schemeClr val="accent2">
+                  <a:lumMod val="75000"/>
+                </a:schemeClr>
+              </a:solidFill>
+            </a:endParaRPr>
           </a:p>
         </p:txBody>
       </p:sp>
     </p:spTree>
     <p:extLst>
       <p:ext uri="{BB962C8B-B14F-4D97-AF65-F5344CB8AC3E}">
-        <p14:creationId xmlns:p14="http://schemas.microsoft.com/office/powerpoint/2010/main" val="3122656394"/>
+        <p14:creationId xmlns:p14="http://schemas.microsoft.com/office/powerpoint/2010/main" val="2837711598"/>
       </p:ext>
     </p:extLst>
   </p:cSld>
@@ -7026,7 +6121,7 @@
                   </a:schemeClr>
                 </a:solidFill>
               </a:rPr>
-              <a:t>Introductions</a:t>
+              <a:t>Logistics</a:t>
             </a:r>
             <a:endParaRPr lang="en-US" dirty="0">
               <a:solidFill>
@@ -7051,7 +6146,7 @@
         <p:spPr/>
         <p:txBody>
           <a:bodyPr>
-            <a:normAutofit fontScale="85000" lnSpcReduction="20000"/>
+            <a:normAutofit/>
           </a:bodyPr>
           <a:lstStyle/>
           <a:p>
@@ -7063,7 +6158,7 @@
                   </a:schemeClr>
                 </a:solidFill>
               </a:rPr>
-              <a:t>Name, Company, Title, Job Responsibilities</a:t>
+              <a:t>Class Hours : 10:00AM-4:45PM (EST)</a:t>
             </a:r>
           </a:p>
           <a:p>
@@ -7084,7 +6179,7 @@
                   </a:schemeClr>
                 </a:solidFill>
               </a:rPr>
-              <a:t>Do you currently use any repositories (code, data, files)</a:t>
+              <a:t>Breaks – 2 – around 11:30PM and again around 3:30PM (EST)</a:t>
             </a:r>
           </a:p>
           <a:p>
@@ -7105,7 +6200,48 @@
                   </a:schemeClr>
                 </a:solidFill>
               </a:rPr>
-              <a:t>Have you ever worked with GitHub in any capacity?</a:t>
+              <a:t>Lunch</a:t>
+            </a:r>
+            <a:r>
+              <a:rPr lang="en-US" sz="2000" smtClean="0">
+                <a:solidFill>
+                  <a:schemeClr val="accent2">
+                    <a:lumMod val="75000"/>
+                  </a:schemeClr>
+                </a:solidFill>
+              </a:rPr>
+              <a:t>: 12:15-1:15PM </a:t>
+            </a:r>
+            <a:r>
+              <a:rPr lang="en-US" sz="2000" dirty="0" smtClean="0">
+                <a:solidFill>
+                  <a:schemeClr val="accent2">
+                    <a:lumMod val="75000"/>
+                  </a:schemeClr>
+                </a:solidFill>
+              </a:rPr>
+              <a:t>(EST)</a:t>
+            </a:r>
+          </a:p>
+          <a:p>
+            <a:endParaRPr lang="en-US" sz="2000" dirty="0">
+              <a:solidFill>
+                <a:schemeClr val="accent2">
+                  <a:lumMod val="75000"/>
+                </a:schemeClr>
+              </a:solidFill>
+            </a:endParaRPr>
+          </a:p>
+          <a:p>
+            <a:r>
+              <a:rPr lang="en-US" sz="2000" dirty="0" smtClean="0">
+                <a:solidFill>
+                  <a:schemeClr val="accent2">
+                    <a:lumMod val="75000"/>
+                  </a:schemeClr>
+                </a:solidFill>
+              </a:rPr>
+              <a:t>ONLC Wi-Fi – if your location has it, the password is: 1234567890</a:t>
             </a:r>
           </a:p>
           <a:p>
@@ -7117,75 +6253,12 @@
               </a:solidFill>
             </a:endParaRPr>
           </a:p>
-          <a:p>
-            <a:r>
-              <a:rPr lang="en-US" sz="2000" dirty="0" smtClean="0">
-                <a:solidFill>
-                  <a:schemeClr val="accent2">
-                    <a:lumMod val="75000"/>
-                  </a:schemeClr>
-                </a:solidFill>
-              </a:rPr>
-              <a:t>Do you have a GitHub account (personal) yet?</a:t>
-            </a:r>
-          </a:p>
-          <a:p>
-            <a:endParaRPr lang="en-US" sz="2000" dirty="0">
-              <a:solidFill>
-                <a:schemeClr val="accent2">
-                  <a:lumMod val="75000"/>
-                </a:schemeClr>
-              </a:solidFill>
-            </a:endParaRPr>
-          </a:p>
-          <a:p>
-            <a:r>
-              <a:rPr lang="en-US" sz="2000" dirty="0" smtClean="0">
-                <a:solidFill>
-                  <a:schemeClr val="accent2">
-                    <a:lumMod val="75000"/>
-                  </a:schemeClr>
-                </a:solidFill>
-              </a:rPr>
-              <a:t>What do you hope to take away from this class?</a:t>
-            </a:r>
-          </a:p>
-          <a:p>
-            <a:endParaRPr lang="en-US" sz="2000" dirty="0">
-              <a:solidFill>
-                <a:schemeClr val="accent2">
-                  <a:lumMod val="75000"/>
-                </a:schemeClr>
-              </a:solidFill>
-            </a:endParaRPr>
-          </a:p>
-          <a:p>
-            <a:r>
-              <a:rPr lang="en-US" sz="2000" dirty="0" smtClean="0">
-                <a:solidFill>
-                  <a:schemeClr val="accent2">
-                    <a:lumMod val="75000"/>
-                  </a:schemeClr>
-                </a:solidFill>
-              </a:rPr>
-              <a:t>Did you receive the book for class today?</a:t>
-            </a:r>
-          </a:p>
-          <a:p>
-            <a:endParaRPr lang="en-US" sz="2000" dirty="0" smtClean="0">
-              <a:solidFill>
-                <a:schemeClr val="accent2">
-                  <a:lumMod val="75000"/>
-                </a:schemeClr>
-              </a:solidFill>
-            </a:endParaRPr>
-          </a:p>
         </p:txBody>
       </p:sp>
     </p:spTree>
     <p:extLst>
       <p:ext uri="{BB962C8B-B14F-4D97-AF65-F5344CB8AC3E}">
-        <p14:creationId xmlns:p14="http://schemas.microsoft.com/office/powerpoint/2010/main" val="2837711598"/>
+        <p14:creationId xmlns:p14="http://schemas.microsoft.com/office/powerpoint/2010/main" val="1358752720"/>
       </p:ext>
     </p:extLst>
   </p:cSld>
@@ -7235,8 +6308,17 @@
                   </a:schemeClr>
                 </a:solidFill>
               </a:rPr>
-              <a:t>Logistics</a:t>
-            </a:r>
+              <a:t>What You Will Learn:</a:t>
+            </a:r>
+            <a:br>
+              <a:rPr lang="en-US" dirty="0" smtClean="0">
+                <a:solidFill>
+                  <a:schemeClr val="accent2">
+                    <a:lumMod val="75000"/>
+                  </a:schemeClr>
+                </a:solidFill>
+              </a:rPr>
+            </a:br>
             <a:endParaRPr lang="en-US" dirty="0">
               <a:solidFill>
                 <a:schemeClr val="accent2">
@@ -7260,7 +6342,7 @@
         <p:spPr/>
         <p:txBody>
           <a:bodyPr>
-            <a:normAutofit/>
+            <a:normAutofit fontScale="85000" lnSpcReduction="20000"/>
           </a:bodyPr>
           <a:lstStyle/>
           <a:p>
@@ -7272,8 +6354,55 @@
                   </a:schemeClr>
                 </a:solidFill>
               </a:rPr>
-              <a:t>Class Hours : 10:00AM-4:45PM (EST)</a:t>
-            </a:r>
+              <a:t>Chapter 1 – </a:t>
+            </a:r>
+            <a:r>
+              <a:rPr lang="en-US" sz="2000" dirty="0" smtClean="0">
+                <a:solidFill>
+                  <a:schemeClr val="accent2">
+                    <a:lumMod val="75000"/>
+                  </a:schemeClr>
+                </a:solidFill>
+              </a:rPr>
+              <a:t>Setting up your </a:t>
+            </a:r>
+            <a:r>
+              <a:rPr lang="en-US" sz="2000" dirty="0" err="1" smtClean="0">
+                <a:solidFill>
+                  <a:schemeClr val="accent2">
+                    <a:lumMod val="75000"/>
+                  </a:schemeClr>
+                </a:solidFill>
+              </a:rPr>
+              <a:t>Git</a:t>
+            </a:r>
+            <a:r>
+              <a:rPr lang="en-US" sz="2000" dirty="0">
+                <a:solidFill>
+                  <a:schemeClr val="accent2">
+                    <a:lumMod val="75000"/>
+                  </a:schemeClr>
+                </a:solidFill>
+              </a:rPr>
+              <a:t>-</a:t>
+            </a:r>
+            <a:r>
+              <a:rPr lang="en-US" sz="2000" dirty="0" smtClean="0">
+                <a:solidFill>
+                  <a:schemeClr val="accent2">
+                    <a:lumMod val="75000"/>
+                  </a:schemeClr>
+                </a:solidFill>
+              </a:rPr>
+              <a:t>Hub Environment</a:t>
+            </a:r>
+            <a:endParaRPr lang="en-US" sz="2000" dirty="0" smtClean="0">
+              <a:solidFill>
+                <a:schemeClr val="accent2">
+                  <a:lumMod val="75000"/>
+                </a:schemeClr>
+              </a:solidFill>
+            </a:endParaRPr>
           </a:p>
           <a:p>
             <a:endParaRPr lang="en-US" sz="2000" dirty="0">
@@ -7293,10 +6422,68 @@
                   </a:schemeClr>
                 </a:solidFill>
               </a:rPr>
-              <a:t>Breaks – 2 – around 11:30PM and again around 3:30PM (EST)</a:t>
-            </a:r>
-          </a:p>
-          <a:p>
+              <a:t>Chapter 2 – </a:t>
+            </a:r>
+            <a:r>
+              <a:rPr lang="en-US" sz="2000" dirty="0" smtClean="0">
+                <a:solidFill>
+                  <a:schemeClr val="accent2">
+                    <a:lumMod val="75000"/>
+                  </a:schemeClr>
+                </a:solidFill>
+              </a:rPr>
+              <a:t>Collaboration – What is </a:t>
+            </a:r>
+            <a:r>
+              <a:rPr lang="en-US" sz="2000" dirty="0" err="1" smtClean="0">
+                <a:solidFill>
+                  <a:schemeClr val="accent2">
+                    <a:lumMod val="75000"/>
+                  </a:schemeClr>
+                </a:solidFill>
+              </a:rPr>
+              <a:t>Git</a:t>
+            </a:r>
+            <a:r>
+              <a:rPr lang="en-US" sz="2000" dirty="0">
+                <a:solidFill>
+                  <a:schemeClr val="accent2">
+                    <a:lumMod val="75000"/>
+                  </a:schemeClr>
+                </a:solidFill>
+              </a:rPr>
+              <a:t>-</a:t>
+            </a:r>
+            <a:r>
+              <a:rPr lang="en-US" sz="2000" dirty="0" smtClean="0">
+                <a:solidFill>
+                  <a:schemeClr val="accent2">
+                    <a:lumMod val="75000"/>
+                  </a:schemeClr>
+                </a:solidFill>
+              </a:rPr>
+              <a:t>Hub?, What is </a:t>
+            </a:r>
+            <a:r>
+              <a:rPr lang="en-US" sz="2000" dirty="0" err="1" smtClean="0">
+                <a:solidFill>
+                  <a:schemeClr val="accent2">
+                    <a:lumMod val="75000"/>
+                  </a:schemeClr>
+                </a:solidFill>
+              </a:rPr>
+              <a:t>Git</a:t>
+            </a:r>
+            <a:r>
+              <a:rPr lang="en-US" sz="2000" dirty="0" smtClean="0">
+                <a:solidFill>
+                  <a:schemeClr val="accent2">
+                    <a:lumMod val="75000"/>
+                  </a:schemeClr>
+                </a:solidFill>
+              </a:rPr>
+              <a:t>?</a:t>
+            </a:r>
             <a:endParaRPr lang="en-US" sz="2000" dirty="0" smtClean="0">
               <a:solidFill>
                 <a:schemeClr val="accent2">
@@ -7306,6 +6493,15 @@
             </a:endParaRPr>
           </a:p>
           <a:p>
+            <a:endParaRPr lang="en-US" sz="2000" dirty="0" smtClean="0">
+              <a:solidFill>
+                <a:schemeClr val="accent2">
+                  <a:lumMod val="75000"/>
+                </a:schemeClr>
+              </a:solidFill>
+            </a:endParaRPr>
+          </a:p>
+          <a:p>
             <a:r>
               <a:rPr lang="en-US" sz="2000" dirty="0" smtClean="0">
                 <a:solidFill>
@@ -7314,27 +6510,7 @@
                   </a:schemeClr>
                 </a:solidFill>
               </a:rPr>
-              <a:t>Lunch</a:t>
-            </a:r>
-            <a:r>
-              <a:rPr lang="en-US" sz="2000" smtClean="0">
-                <a:solidFill>
-                  <a:schemeClr val="accent2">
-                    <a:lumMod val="75000"/>
-                  </a:schemeClr>
-                </a:solidFill>
-              </a:rPr>
-              <a:t>: 12:15-1:15PM </a:t>
-            </a:r>
-            <a:r>
-              <a:rPr lang="en-US" sz="2000" dirty="0" smtClean="0">
-                <a:solidFill>
-                  <a:schemeClr val="accent2">
-                    <a:lumMod val="75000"/>
-                  </a:schemeClr>
-                </a:solidFill>
-              </a:rPr>
-              <a:t>(EST)</a:t>
+              <a:t>Chapter 3 – GitHub Flow</a:t>
             </a:r>
           </a:p>
           <a:p>
@@ -7355,10 +6531,55 @@
                   </a:schemeClr>
                 </a:solidFill>
               </a:rPr>
-              <a:t>ONLC Wi-Fi – if your location has it, the password is: 1234567890</a:t>
-            </a:r>
-          </a:p>
-          <a:p>
+              <a:t>Chapter 4 – Branching with GitHub</a:t>
+            </a:r>
+          </a:p>
+          <a:p>
+            <a:endParaRPr lang="en-US" sz="2000" dirty="0">
+              <a:solidFill>
+                <a:schemeClr val="accent2">
+                  <a:lumMod val="75000"/>
+                </a:schemeClr>
+              </a:solidFill>
+            </a:endParaRPr>
+          </a:p>
+          <a:p>
+            <a:r>
+              <a:rPr lang="en-US" sz="2000" dirty="0" smtClean="0">
+                <a:solidFill>
+                  <a:schemeClr val="accent2">
+                    <a:lumMod val="75000"/>
+                  </a:schemeClr>
+                </a:solidFill>
+              </a:rPr>
+              <a:t>Chapter 5 – Collaborating on Code</a:t>
+            </a:r>
+          </a:p>
+          <a:p>
+            <a:endParaRPr lang="en-US" sz="2000" dirty="0">
+              <a:solidFill>
+                <a:schemeClr val="accent2">
+                  <a:lumMod val="75000"/>
+                </a:schemeClr>
+              </a:solidFill>
+            </a:endParaRPr>
+          </a:p>
+          <a:p>
+            <a:r>
+              <a:rPr lang="en-US" sz="2000" dirty="0" smtClean="0">
+                <a:solidFill>
+                  <a:schemeClr val="accent2">
+                    <a:lumMod val="75000"/>
+                  </a:schemeClr>
+                </a:solidFill>
+              </a:rPr>
+              <a:t>Chapter 6 – Working with Files</a:t>
+            </a:r>
+          </a:p>
+          <a:p>
+            <a:pPr marL="0" indent="0">
+              <a:buNone/>
+            </a:pPr>
             <a:endParaRPr lang="en-US" sz="2000" dirty="0" smtClean="0">
               <a:solidFill>
                 <a:schemeClr val="accent2">
@@ -7372,7 +6593,7 @@
     </p:spTree>
     <p:extLst>
       <p:ext uri="{BB962C8B-B14F-4D97-AF65-F5344CB8AC3E}">
-        <p14:creationId xmlns:p14="http://schemas.microsoft.com/office/powerpoint/2010/main" val="1358752720"/>
+        <p14:creationId xmlns:p14="http://schemas.microsoft.com/office/powerpoint/2010/main" val="4042475043"/>
       </p:ext>
     </p:extLst>
   </p:cSld>
@@ -7468,37 +6689,7 @@
                   </a:schemeClr>
                 </a:solidFill>
               </a:rPr>
-              <a:t>Chapter 1 – Setting up your </a:t>
-            </a:r>
-            <a:r>
-              <a:rPr lang="en-US" sz="2000" dirty="0" err="1" smtClean="0">
-                <a:solidFill>
-                  <a:schemeClr val="accent2">
-                    <a:lumMod val="75000"/>
-                  </a:schemeClr>
-                </a:solidFill>
-              </a:rPr>
-              <a:t>Git</a:t>
-            </a:r>
-            <a:r>
-              <a:rPr lang="en-US" sz="2000" dirty="0">
-                <a:solidFill>
-                  <a:schemeClr val="accent2">
-                    <a:lumMod val="75000"/>
-                  </a:schemeClr>
-                </a:solidFill>
-              </a:rPr>
-              <a:t>-</a:t>
-            </a:r>
-            <a:r>
-              <a:rPr lang="en-US" sz="2000" dirty="0" smtClean="0">
-                <a:solidFill>
-                  <a:schemeClr val="accent2">
-                    <a:lumMod val="75000"/>
-                  </a:schemeClr>
-                </a:solidFill>
-              </a:rPr>
-              <a:t>Hub Environment</a:t>
+              <a:t>Chapter 7 – Projects &amp; Game Project Review</a:t>
             </a:r>
           </a:p>
           <a:p>
@@ -7519,57 +6710,7 @@
                   </a:schemeClr>
                 </a:solidFill>
               </a:rPr>
-              <a:t>Chapter 2 – Collaboration – What is </a:t>
-            </a:r>
-            <a:r>
-              <a:rPr lang="en-US" sz="2000" dirty="0" err="1" smtClean="0">
-                <a:solidFill>
-                  <a:schemeClr val="accent2">
-                    <a:lumMod val="75000"/>
-                  </a:schemeClr>
-                </a:solidFill>
-              </a:rPr>
-              <a:t>Git</a:t>
-            </a:r>
-            <a:r>
-              <a:rPr lang="en-US" sz="2000" dirty="0">
-                <a:solidFill>
-                  <a:schemeClr val="accent2">
-                    <a:lumMod val="75000"/>
-                  </a:schemeClr>
-                </a:solidFill>
-              </a:rPr>
-              <a:t>-</a:t>
-            </a:r>
-            <a:r>
-              <a:rPr lang="en-US" sz="2000" dirty="0" smtClean="0">
-                <a:solidFill>
-                  <a:schemeClr val="accent2">
-                    <a:lumMod val="75000"/>
-                  </a:schemeClr>
-                </a:solidFill>
-              </a:rPr>
-              <a:t>Hub?, What is </a:t>
-            </a:r>
-            <a:r>
-              <a:rPr lang="en-US" sz="2000" dirty="0" err="1" smtClean="0">
-                <a:solidFill>
-                  <a:schemeClr val="accent2">
-                    <a:lumMod val="75000"/>
-                  </a:schemeClr>
-                </a:solidFill>
-              </a:rPr>
-              <a:t>Git</a:t>
-            </a:r>
-            <a:r>
-              <a:rPr lang="en-US" sz="2000" dirty="0" smtClean="0">
-                <a:solidFill>
-                  <a:schemeClr val="accent2">
-                    <a:lumMod val="75000"/>
-                  </a:schemeClr>
-                </a:solidFill>
-              </a:rPr>
-              <a:t>?</a:t>
+              <a:t>Chapter 8 - Merging</a:t>
             </a:r>
           </a:p>
           <a:p>
@@ -7590,7 +6731,7 @@
                   </a:schemeClr>
                 </a:solidFill>
               </a:rPr>
-              <a:t>Chapter 3 – GitHub Flow</a:t>
+              <a:t>Chapter 9 -  Forking</a:t>
             </a:r>
           </a:p>
           <a:p>
@@ -7611,7 +6752,7 @@
                   </a:schemeClr>
                 </a:solidFill>
               </a:rPr>
-              <a:t>Chapter 4 – Branching with GitHub</a:t>
+              <a:t>Chapter 10 - Commits</a:t>
             </a:r>
           </a:p>
           <a:p>
@@ -7632,7 +6773,7 @@
                   </a:schemeClr>
                 </a:solidFill>
               </a:rPr>
-              <a:t>Chapter 5 – Collaborating on Code</a:t>
+              <a:t>Chapter 11 - Reversing</a:t>
             </a:r>
           </a:p>
           <a:p>
@@ -7653,27 +6794,15 @@
                   </a:schemeClr>
                 </a:solidFill>
               </a:rPr>
-              <a:t>Chapter 6 – Working with Files</a:t>
-            </a:r>
-          </a:p>
-          <a:p>
-            <a:pPr marL="0" indent="0">
-              <a:buNone/>
-            </a:pPr>
-            <a:endParaRPr lang="en-US" sz="2000" dirty="0" smtClean="0">
-              <a:solidFill>
-                <a:schemeClr val="accent2">
-                  <a:lumMod val="75000"/>
-                </a:schemeClr>
-              </a:solidFill>
-            </a:endParaRPr>
+              <a:t>Chapter 12 – Rewriting History</a:t>
+            </a:r>
           </a:p>
         </p:txBody>
       </p:sp>
     </p:spTree>
     <p:extLst>
       <p:ext uri="{BB962C8B-B14F-4D97-AF65-F5344CB8AC3E}">
-        <p14:creationId xmlns:p14="http://schemas.microsoft.com/office/powerpoint/2010/main" val="4042475043"/>
+        <p14:creationId xmlns:p14="http://schemas.microsoft.com/office/powerpoint/2010/main" val="1890116405"/>
       </p:ext>
     </p:extLst>
   </p:cSld>
@@ -7723,17 +6852,8 @@
                   </a:schemeClr>
                 </a:solidFill>
               </a:rPr>
-              <a:t>What You Will Learn:</a:t>
-            </a:r>
-            <a:br>
-              <a:rPr lang="en-US" dirty="0" smtClean="0">
-                <a:solidFill>
-                  <a:schemeClr val="accent2">
-                    <a:lumMod val="75000"/>
-                  </a:schemeClr>
-                </a:solidFill>
-              </a:rPr>
-            </a:br>
+              <a:t>What’s Next?</a:t>
+            </a:r>
             <a:endParaRPr lang="en-US" dirty="0">
               <a:solidFill>
                 <a:schemeClr val="accent2">
@@ -7757,7 +6877,7 @@
         <p:spPr/>
         <p:txBody>
           <a:bodyPr>
-            <a:normAutofit fontScale="85000" lnSpcReduction="20000"/>
+            <a:normAutofit/>
           </a:bodyPr>
           <a:lstStyle/>
           <a:p>
@@ -7769,7 +6889,7 @@
                   </a:schemeClr>
                 </a:solidFill>
               </a:rPr>
-              <a:t>Chapter 7 – Projects &amp; Game Project Review</a:t>
+              <a:t>We will obtain FREE GitHub Accounts for use in class</a:t>
             </a:r>
           </a:p>
           <a:p>
@@ -7790,19 +6910,8 @@
                   </a:schemeClr>
                 </a:solidFill>
               </a:rPr>
-              <a:t>Chapter 8 - Merging</a:t>
-            </a:r>
-          </a:p>
-          <a:p>
-            <a:endParaRPr lang="en-US" sz="2000" dirty="0" smtClean="0">
-              <a:solidFill>
-                <a:schemeClr val="accent2">
-                  <a:lumMod val="75000"/>
-                </a:schemeClr>
-              </a:solidFill>
-            </a:endParaRPr>
-          </a:p>
-          <a:p>
+              <a:t>GitHub Pricing Plans for </a:t>
+            </a:r>
             <a:r>
               <a:rPr lang="en-US" sz="2000" dirty="0" smtClean="0">
                 <a:solidFill>
@@ -7811,186 +6920,7 @@
                   </a:schemeClr>
                 </a:solidFill>
               </a:rPr>
-              <a:t>Chapter 9 -  Forking</a:t>
-            </a:r>
-          </a:p>
-          <a:p>
-            <a:endParaRPr lang="en-US" sz="2000" dirty="0">
-              <a:solidFill>
-                <a:schemeClr val="accent2">
-                  <a:lumMod val="75000"/>
-                </a:schemeClr>
-              </a:solidFill>
-            </a:endParaRPr>
-          </a:p>
-          <a:p>
-            <a:r>
-              <a:rPr lang="en-US" sz="2000" dirty="0" smtClean="0">
-                <a:solidFill>
-                  <a:schemeClr val="accent2">
-                    <a:lumMod val="75000"/>
-                  </a:schemeClr>
-                </a:solidFill>
-              </a:rPr>
-              <a:t>Chapter 10 - Commits</a:t>
-            </a:r>
-          </a:p>
-          <a:p>
-            <a:endParaRPr lang="en-US" sz="2000" dirty="0">
-              <a:solidFill>
-                <a:schemeClr val="accent2">
-                  <a:lumMod val="75000"/>
-                </a:schemeClr>
-              </a:solidFill>
-            </a:endParaRPr>
-          </a:p>
-          <a:p>
-            <a:r>
-              <a:rPr lang="en-US" sz="2000" dirty="0" smtClean="0">
-                <a:solidFill>
-                  <a:schemeClr val="accent2">
-                    <a:lumMod val="75000"/>
-                  </a:schemeClr>
-                </a:solidFill>
-              </a:rPr>
-              <a:t>Chapter 11 - Reversing</a:t>
-            </a:r>
-          </a:p>
-          <a:p>
-            <a:endParaRPr lang="en-US" sz="2000" dirty="0">
-              <a:solidFill>
-                <a:schemeClr val="accent2">
-                  <a:lumMod val="75000"/>
-                </a:schemeClr>
-              </a:solidFill>
-            </a:endParaRPr>
-          </a:p>
-          <a:p>
-            <a:r>
-              <a:rPr lang="en-US" sz="2000" dirty="0" smtClean="0">
-                <a:solidFill>
-                  <a:schemeClr val="accent2">
-                    <a:lumMod val="75000"/>
-                  </a:schemeClr>
-                </a:solidFill>
-              </a:rPr>
-              <a:t>Chapter 12 – Rewriting History</a:t>
-            </a:r>
-          </a:p>
-        </p:txBody>
-      </p:sp>
-    </p:spTree>
-    <p:extLst>
-      <p:ext uri="{BB962C8B-B14F-4D97-AF65-F5344CB8AC3E}">
-        <p14:creationId xmlns:p14="http://schemas.microsoft.com/office/powerpoint/2010/main" val="1890116405"/>
-      </p:ext>
-    </p:extLst>
-  </p:cSld>
-  <p:clrMapOvr>
-    <a:masterClrMapping/>
-  </p:clrMapOvr>
-</p:sld>
-</file>
-
-<file path=ppt/slides/slide7.xml><?xml version="1.0" encoding="utf-8"?>
-<p:sld xmlns:a="http://schemas.openxmlformats.org/drawingml/2006/main" xmlns:r="http://schemas.openxmlformats.org/officeDocument/2006/relationships" xmlns:p="http://schemas.openxmlformats.org/presentationml/2006/main">
-  <p:cSld>
-    <p:spTree>
-      <p:nvGrpSpPr>
-        <p:cNvPr id="1" name=""/>
-        <p:cNvGrpSpPr/>
-        <p:nvPr/>
-      </p:nvGrpSpPr>
-      <p:grpSpPr>
-        <a:xfrm>
-          <a:off x="0" y="0"/>
-          <a:ext cx="0" cy="0"/>
-          <a:chOff x="0" y="0"/>
-          <a:chExt cx="0" cy="0"/>
-        </a:xfrm>
-      </p:grpSpPr>
-      <p:sp>
-        <p:nvSpPr>
-          <p:cNvPr id="2" name="Title 1"/>
-          <p:cNvSpPr>
-            <a:spLocks noGrp="1"/>
-          </p:cNvSpPr>
-          <p:nvPr>
-            <p:ph type="title"/>
-          </p:nvPr>
-        </p:nvSpPr>
-        <p:spPr/>
-        <p:txBody>
-          <a:bodyPr/>
-          <a:lstStyle/>
-          <a:p>
-            <a:r>
-              <a:rPr lang="en-US" dirty="0" smtClean="0">
-                <a:solidFill>
-                  <a:schemeClr val="accent2">
-                    <a:lumMod val="75000"/>
-                  </a:schemeClr>
-                </a:solidFill>
-              </a:rPr>
-              <a:t>What’s Next?</a:t>
-            </a:r>
-            <a:endParaRPr lang="en-US" dirty="0">
-              <a:solidFill>
-                <a:schemeClr val="accent2">
-                  <a:lumMod val="75000"/>
-                </a:schemeClr>
-              </a:solidFill>
-            </a:endParaRPr>
-          </a:p>
-        </p:txBody>
-      </p:sp>
-      <p:sp>
-        <p:nvSpPr>
-          <p:cNvPr id="3" name="Content Placeholder 2"/>
-          <p:cNvSpPr>
-            <a:spLocks noGrp="1"/>
-          </p:cNvSpPr>
-          <p:nvPr>
-            <p:ph idx="1"/>
-          </p:nvPr>
-        </p:nvSpPr>
-        <p:spPr/>
-        <p:txBody>
-          <a:bodyPr>
-            <a:normAutofit/>
-          </a:bodyPr>
-          <a:lstStyle/>
-          <a:p>
-            <a:r>
-              <a:rPr lang="en-US" sz="2000" dirty="0" smtClean="0">
-                <a:solidFill>
-                  <a:schemeClr val="accent2">
-                    <a:lumMod val="75000"/>
-                  </a:schemeClr>
-                </a:solidFill>
-              </a:rPr>
-              <a:t>We will obtain FREE GitHub Accounts for use in class</a:t>
-            </a:r>
-          </a:p>
-          <a:p>
-            <a:endParaRPr lang="en-US" sz="2000" dirty="0">
-              <a:solidFill>
-                <a:schemeClr val="accent2">
-                  <a:lumMod val="75000"/>
-                </a:schemeClr>
-              </a:solidFill>
-            </a:endParaRPr>
-          </a:p>
-          <a:p>
-            <a:r>
-              <a:rPr lang="en-US" sz="2000" dirty="0" smtClean="0">
-                <a:solidFill>
-                  <a:schemeClr val="accent2">
-                    <a:lumMod val="75000"/>
-                  </a:schemeClr>
-                </a:solidFill>
-              </a:rPr>
-              <a:t>GitHub Pricing Plans for Enterprise</a:t>
+              <a:t>Enterprise</a:t>
             </a:r>
           </a:p>
           <a:p>
@@ -8046,7 +6976,7 @@
 </p:sld>
 </file>
 
-<file path=ppt/slides/slide8.xml><?xml version="1.0" encoding="utf-8"?>
+<file path=ppt/slides/slide7.xml><?xml version="1.0" encoding="utf-8"?>
 <p:sld xmlns:a="http://schemas.openxmlformats.org/drawingml/2006/main" xmlns:r="http://schemas.openxmlformats.org/officeDocument/2006/relationships" xmlns:p="http://schemas.openxmlformats.org/presentationml/2006/main">
   <p:cSld>
     <p:spTree>
@@ -8393,265 +7323,4 @@
     </a:ext>
   </a:extLst>
 </a:theme>
-</file>
-
-<file path=ppt/theme/theme2.xml><?xml version="1.0" encoding="utf-8"?>
-<a:theme xmlns:a="http://schemas.openxmlformats.org/drawingml/2006/main" name="Office Theme">
-  <a:themeElements>
-    <a:clrScheme name="Office">
-      <a:dk1>
-        <a:sysClr val="windowText" lastClr="000000"/>
-      </a:dk1>
-      <a:lt1>
-        <a:sysClr val="window" lastClr="FFFFFF"/>
-      </a:lt1>
-      <a:dk2>
-        <a:srgbClr val="44546A"/>
-      </a:dk2>
-      <a:lt2>
-        <a:srgbClr val="E7E6E6"/>
-      </a:lt2>
-      <a:accent1>
-        <a:srgbClr val="5B9BD5"/>
-      </a:accent1>
-      <a:accent2>
-        <a:srgbClr val="ED7D31"/>
-      </a:accent2>
-      <a:accent3>
-        <a:srgbClr val="A5A5A5"/>
-      </a:accent3>
-      <a:accent4>
-        <a:srgbClr val="FFC000"/>
-      </a:accent4>
-      <a:accent5>
-        <a:srgbClr val="4472C4"/>
-      </a:accent5>
-      <a:accent6>
-        <a:srgbClr val="70AD47"/>
-      </a:accent6>
-      <a:hlink>
-        <a:srgbClr val="0563C1"/>
-      </a:hlink>
-      <a:folHlink>
-        <a:srgbClr val="954F72"/>
-      </a:folHlink>
-    </a:clrScheme>
-    <a:fontScheme name="Office">
-      <a:majorFont>
-        <a:latin typeface="Calibri Light" panose="020F0302020204030204"/>
-        <a:ea typeface=""/>
-        <a:cs typeface=""/>
-        <a:font script="Jpan" typeface="游ゴシック Light"/>
-        <a:font script="Hang" typeface="맑은 고딕"/>
-        <a:font script="Hans" typeface="等线 Light"/>
-        <a:font script="Hant" typeface="新細明體"/>
-        <a:font script="Arab" typeface="Times New Roman"/>
-        <a:font script="Hebr" typeface="Times New Roman"/>
-        <a:font script="Thai" typeface="Angsana New"/>
-        <a:font script="Ethi" typeface="Nyala"/>
-        <a:font script="Beng" typeface="Vrinda"/>
-        <a:font script="Gujr" typeface="Shruti"/>
-        <a:font script="Khmr" typeface="MoolBoran"/>
-        <a:font script="Knda" typeface="Tunga"/>
-        <a:font script="Guru" typeface="Raavi"/>
-        <a:font script="Cans" typeface="Euphemia"/>
-        <a:font script="Cher" typeface="Plantagenet Cherokee"/>
-        <a:font script="Yiii" typeface="Microsoft Yi Baiti"/>
-        <a:font script="Tibt" typeface="Microsoft Himalaya"/>
-        <a:font script="Thaa" typeface="MV Boli"/>
-        <a:font script="Deva" typeface="Mangal"/>
-        <a:font script="Telu" typeface="Gautami"/>
-        <a:font script="Taml" typeface="Latha"/>
-        <a:font script="Syrc" typeface="Estrangelo Edessa"/>
-        <a:font script="Orya" typeface="Kalinga"/>
-        <a:font script="Mlym" typeface="Kartika"/>
-        <a:font script="Laoo" typeface="DokChampa"/>
-        <a:font script="Sinh" typeface="Iskoola Pota"/>
-        <a:font script="Mong" typeface="Mongolian Baiti"/>
-        <a:font script="Viet" typeface="Times New Roman"/>
-        <a:font script="Uigh" typeface="Microsoft Uighur"/>
-        <a:font script="Geor" typeface="Sylfaen"/>
-      </a:majorFont>
-      <a:minorFont>
-        <a:latin typeface="Calibri" panose="020F0502020204030204"/>
-        <a:ea typeface=""/>
-        <a:cs typeface=""/>
-        <a:font script="Jpan" typeface="游ゴシック"/>
-        <a:font script="Hang" typeface="맑은 고딕"/>
-        <a:font script="Hans" typeface="等线"/>
-        <a:font script="Hant" typeface="新細明體"/>
-        <a:font script="Arab" typeface="Arial"/>
-        <a:font script="Hebr" typeface="Arial"/>
-        <a:font script="Thai" typeface="Cordia New"/>
-        <a:font script="Ethi" typeface="Nyala"/>
-        <a:font script="Beng" typeface="Vrinda"/>
-        <a:font script="Gujr" typeface="Shruti"/>
-        <a:font script="Khmr" typeface="DaunPenh"/>
-        <a:font script="Knda" typeface="Tunga"/>
-        <a:font script="Guru" typeface="Raavi"/>
-        <a:font script="Cans" typeface="Euphemia"/>
-        <a:font script="Cher" typeface="Plantagenet Cherokee"/>
-        <a:font script="Yiii" typeface="Microsoft Yi Baiti"/>
-        <a:font script="Tibt" typeface="Microsoft Himalaya"/>
-        <a:font script="Thaa" typeface="MV Boli"/>
-        <a:font script="Deva" typeface="Mangal"/>
-        <a:font script="Telu" typeface="Gautami"/>
-        <a:font script="Taml" typeface="Latha"/>
-        <a:font script="Syrc" typeface="Estrangelo Edessa"/>
-        <a:font script="Orya" typeface="Kalinga"/>
-        <a:font script="Mlym" typeface="Kartika"/>
-        <a:font script="Laoo" typeface="DokChampa"/>
-        <a:font script="Sinh" typeface="Iskoola Pota"/>
-        <a:font script="Mong" typeface="Mongolian Baiti"/>
-        <a:font script="Viet" typeface="Arial"/>
-        <a:font script="Uigh" typeface="Microsoft Uighur"/>
-        <a:font script="Geor" typeface="Sylfaen"/>
-      </a:minorFont>
-    </a:fontScheme>
-    <a:fmtScheme name="Office">
-      <a:fillStyleLst>
-        <a:solidFill>
-          <a:schemeClr val="phClr"/>
-        </a:solidFill>
-        <a:gradFill rotWithShape="1">
-          <a:gsLst>
-            <a:gs pos="0">
-              <a:schemeClr val="phClr">
-                <a:lumMod val="110000"/>
-                <a:satMod val="105000"/>
-                <a:tint val="67000"/>
-              </a:schemeClr>
-            </a:gs>
-            <a:gs pos="50000">
-              <a:schemeClr val="phClr">
-                <a:lumMod val="105000"/>
-                <a:satMod val="103000"/>
-                <a:tint val="73000"/>
-              </a:schemeClr>
-            </a:gs>
-            <a:gs pos="100000">
-              <a:schemeClr val="phClr">
-                <a:lumMod val="105000"/>
-                <a:satMod val="109000"/>
-                <a:tint val="81000"/>
-              </a:schemeClr>
-            </a:gs>
-          </a:gsLst>
-          <a:lin ang="5400000" scaled="0"/>
-        </a:gradFill>
-        <a:gradFill rotWithShape="1">
-          <a:gsLst>
-            <a:gs pos="0">
-              <a:schemeClr val="phClr">
-                <a:satMod val="103000"/>
-                <a:lumMod val="102000"/>
-                <a:tint val="94000"/>
-              </a:schemeClr>
-            </a:gs>
-            <a:gs pos="50000">
-              <a:schemeClr val="phClr">
-                <a:satMod val="110000"/>
-                <a:lumMod val="100000"/>
-                <a:shade val="100000"/>
-              </a:schemeClr>
-            </a:gs>
-            <a:gs pos="100000">
-              <a:schemeClr val="phClr">
-                <a:lumMod val="99000"/>
-                <a:satMod val="120000"/>
-                <a:shade val="78000"/>
-              </a:schemeClr>
-            </a:gs>
-          </a:gsLst>
-          <a:lin ang="5400000" scaled="0"/>
-        </a:gradFill>
-      </a:fillStyleLst>
-      <a:lnStyleLst>
-        <a:ln w="6350" cap="flat" cmpd="sng" algn="ctr">
-          <a:solidFill>
-            <a:schemeClr val="phClr"/>
-          </a:solidFill>
-          <a:prstDash val="solid"/>
-          <a:miter lim="800000"/>
-        </a:ln>
-        <a:ln w="12700" cap="flat" cmpd="sng" algn="ctr">
-          <a:solidFill>
-            <a:schemeClr val="phClr"/>
-          </a:solidFill>
-          <a:prstDash val="solid"/>
-          <a:miter lim="800000"/>
-        </a:ln>
-        <a:ln w="19050" cap="flat" cmpd="sng" algn="ctr">
-          <a:solidFill>
-            <a:schemeClr val="phClr"/>
-          </a:solidFill>
-          <a:prstDash val="solid"/>
-          <a:miter lim="800000"/>
-        </a:ln>
-      </a:lnStyleLst>
-      <a:effectStyleLst>
-        <a:effectStyle>
-          <a:effectLst/>
-        </a:effectStyle>
-        <a:effectStyle>
-          <a:effectLst/>
-        </a:effectStyle>
-        <a:effectStyle>
-          <a:effectLst>
-            <a:outerShdw blurRad="57150" dist="19050" dir="5400000" algn="ctr" rotWithShape="0">
-              <a:srgbClr val="000000">
-                <a:alpha val="63000"/>
-              </a:srgbClr>
-            </a:outerShdw>
-          </a:effectLst>
-        </a:effectStyle>
-      </a:effectStyleLst>
-      <a:bgFillStyleLst>
-        <a:solidFill>
-          <a:schemeClr val="phClr"/>
-        </a:solidFill>
-        <a:solidFill>
-          <a:schemeClr val="phClr">
-            <a:tint val="95000"/>
-            <a:satMod val="170000"/>
-          </a:schemeClr>
-        </a:solidFill>
-        <a:gradFill rotWithShape="1">
-          <a:gsLst>
-            <a:gs pos="0">
-              <a:schemeClr val="phClr">
-                <a:tint val="93000"/>
-                <a:satMod val="150000"/>
-                <a:shade val="98000"/>
-                <a:lumMod val="102000"/>
-              </a:schemeClr>
-            </a:gs>
-            <a:gs pos="50000">
-              <a:schemeClr val="phClr">
-                <a:tint val="98000"/>
-                <a:satMod val="130000"/>
-                <a:shade val="90000"/>
-                <a:lumMod val="103000"/>
-              </a:schemeClr>
-            </a:gs>
-            <a:gs pos="100000">
-              <a:schemeClr val="phClr">
-                <a:shade val="63000"/>
-                <a:satMod val="120000"/>
-              </a:schemeClr>
-            </a:gs>
-          </a:gsLst>
-          <a:lin ang="5400000" scaled="0"/>
-        </a:gradFill>
-      </a:bgFillStyleLst>
-    </a:fmtScheme>
-  </a:themeElements>
-  <a:objectDefaults/>
-  <a:extraClrSchemeLst/>
-  <a:extLst>
-    <a:ext uri="{05A4C25C-085E-4340-85A3-A5531E510DB2}">
-      <thm15:themeFamily xmlns:thm15="http://schemas.microsoft.com/office/thememl/2012/main" name="Office Theme" id="{62F939B6-93AF-4DB8-9C6B-D6C7DFDC589F}" vid="{4A3C46E8-61CC-4603-A589-7422A47A8E4A}"/>
-    </a:ext>
-  </a:extLst>
-</a:theme>
 </file>